--- a/wireframe.pptx
+++ b/wireframe.pptx
@@ -16123,1818 +16123,12 @@
           <a:chExt cx="0" cy="0"/>
         </a:xfrm>
       </p:grpSpPr>
-      <p:grpSp>
-        <p:nvGrpSpPr>
-          <p:cNvPr id="162" name="Group 161">
+      <p:sp useBgFill="1">
+        <p:nvSpPr>
+          <p:cNvPr id="237" name="Rectangle 236">
             <a:extLst>
               <a:ext uri="{FF2B5EF4-FFF2-40B4-BE49-F238E27FC236}">
-                <a16:creationId xmlns:a16="http://schemas.microsoft.com/office/drawing/2014/main" id="{748618E9-EE2D-4864-9EEE-58939BD4FBBA}"/>
-              </a:ext>
-              <a:ext uri="{C183D7F6-B498-43B3-948B-1728B52AA6E4}">
-                <adec:decorative xmlns:adec="http://schemas.microsoft.com/office/drawing/2017/decorative" val="1"/>
-              </a:ext>
-            </a:extLst>
-          </p:cNvPr>
-          <p:cNvGrpSpPr>
-            <a:grpSpLocks noGrp="1" noUngrp="1" noRot="1" noChangeAspect="1" noMove="1" noResize="1"/>
-          </p:cNvGrpSpPr>
-          <p:nvPr>
-            <p:extLst>
-              <p:ext uri="{386F3935-93C4-4BCD-93E2-E3B085C9AB24}">
-                <p16:designElem xmlns:p16="http://schemas.microsoft.com/office/powerpoint/2015/main" val="1"/>
-              </p:ext>
-            </p:extLst>
-          </p:nvPr>
-        </p:nvGrpSpPr>
-        <p:grpSpPr>
-          <a:xfrm>
-            <a:off x="-6214" y="-1"/>
-            <a:ext cx="12214827" cy="6858000"/>
-            <a:chOff x="-6214" y="-1"/>
-            <a:chExt cx="12214827" cy="6858000"/>
-          </a:xfrm>
-        </p:grpSpPr>
-        <p:cxnSp>
-          <p:nvCxnSpPr>
-            <p:cNvPr id="163" name="Straight Connector 162">
-              <a:extLst>
-                <a:ext uri="{FF2B5EF4-FFF2-40B4-BE49-F238E27FC236}">
-                  <a16:creationId xmlns:a16="http://schemas.microsoft.com/office/drawing/2014/main" id="{317D1EC0-23FF-4FC8-B22D-E34878EAA4CC}"/>
-                </a:ext>
-                <a:ext uri="{C183D7F6-B498-43B3-948B-1728B52AA6E4}">
-                  <adec:decorative xmlns:adec="http://schemas.microsoft.com/office/drawing/2017/decorative" val="1"/>
-                </a:ext>
-              </a:extLst>
-            </p:cNvPr>
-            <p:cNvCxnSpPr>
-              <a:cxnSpLocks/>
-            </p:cNvCxnSpPr>
-            <p:nvPr>
-              <p:extLst>
-                <p:ext uri="{386F3935-93C4-4BCD-93E2-E3B085C9AB24}">
-                  <p16:designElem xmlns:p16="http://schemas.microsoft.com/office/powerpoint/2015/main" val="1"/>
-                </p:ext>
-              </p:extLst>
-            </p:nvPr>
-          </p:nvCxnSpPr>
-          <p:spPr>
-            <a:xfrm>
-              <a:off x="-6214" y="6686283"/>
-              <a:ext cx="12192000" cy="0"/>
-            </a:xfrm>
-            <a:prstGeom prst="line">
-              <a:avLst/>
-            </a:prstGeom>
-            <a:ln w="12700">
-              <a:solidFill>
-                <a:srgbClr val="BCBCBC">
-                  <a:alpha val="29804"/>
-                </a:srgbClr>
-              </a:solidFill>
-              <a:prstDash val="sysDot"/>
-            </a:ln>
-          </p:spPr>
-          <p:style>
-            <a:lnRef idx="1">
-              <a:schemeClr val="accent1"/>
-            </a:lnRef>
-            <a:fillRef idx="0">
-              <a:schemeClr val="accent1"/>
-            </a:fillRef>
-            <a:effectRef idx="0">
-              <a:schemeClr val="accent1"/>
-            </a:effectRef>
-            <a:fontRef idx="minor">
-              <a:schemeClr val="tx1"/>
-            </a:fontRef>
-          </p:style>
-        </p:cxnSp>
-        <p:cxnSp>
-          <p:nvCxnSpPr>
-            <p:cNvPr id="164" name="Straight Connector 163">
-              <a:extLst>
-                <a:ext uri="{FF2B5EF4-FFF2-40B4-BE49-F238E27FC236}">
-                  <a16:creationId xmlns:a16="http://schemas.microsoft.com/office/drawing/2014/main" id="{5AB929A7-258C-4469-AAB4-A67D713F7A80}"/>
-                </a:ext>
-                <a:ext uri="{C183D7F6-B498-43B3-948B-1728B52AA6E4}">
-                  <adec:decorative xmlns:adec="http://schemas.microsoft.com/office/drawing/2017/decorative" val="1"/>
-                </a:ext>
-              </a:extLst>
-            </p:cNvPr>
-            <p:cNvCxnSpPr>
-              <a:cxnSpLocks/>
-            </p:cNvCxnSpPr>
-            <p:nvPr>
-              <p:extLst>
-                <p:ext uri="{386F3935-93C4-4BCD-93E2-E3B085C9AB24}">
-                  <p16:designElem xmlns:p16="http://schemas.microsoft.com/office/powerpoint/2015/main" val="1"/>
-                </p:ext>
-              </p:extLst>
-            </p:nvPr>
-          </p:nvCxnSpPr>
-          <p:spPr>
-            <a:xfrm>
-              <a:off x="0" y="-1"/>
-              <a:ext cx="0" cy="6858000"/>
-            </a:xfrm>
-            <a:prstGeom prst="line">
-              <a:avLst/>
-            </a:prstGeom>
-            <a:ln w="12700">
-              <a:solidFill>
-                <a:srgbClr val="BCBCBC">
-                  <a:alpha val="29804"/>
-                </a:srgbClr>
-              </a:solidFill>
-              <a:prstDash val="sysDot"/>
-            </a:ln>
-          </p:spPr>
-          <p:style>
-            <a:lnRef idx="1">
-              <a:schemeClr val="accent1"/>
-            </a:lnRef>
-            <a:fillRef idx="0">
-              <a:schemeClr val="accent1"/>
-            </a:fillRef>
-            <a:effectRef idx="0">
-              <a:schemeClr val="accent1"/>
-            </a:effectRef>
-            <a:fontRef idx="minor">
-              <a:schemeClr val="tx1"/>
-            </a:fontRef>
-          </p:style>
-        </p:cxnSp>
-        <p:cxnSp>
-          <p:nvCxnSpPr>
-            <p:cNvPr id="165" name="Straight Connector 164">
-              <a:extLst>
-                <a:ext uri="{FF2B5EF4-FFF2-40B4-BE49-F238E27FC236}">
-                  <a16:creationId xmlns:a16="http://schemas.microsoft.com/office/drawing/2014/main" id="{DA635CDB-2D00-49D5-B26E-0694A25000C7}"/>
-                </a:ext>
-                <a:ext uri="{C183D7F6-B498-43B3-948B-1728B52AA6E4}">
-                  <adec:decorative xmlns:adec="http://schemas.microsoft.com/office/drawing/2017/decorative" val="1"/>
-                </a:ext>
-              </a:extLst>
-            </p:cNvPr>
-            <p:cNvCxnSpPr>
-              <a:cxnSpLocks/>
-            </p:cNvCxnSpPr>
-            <p:nvPr>
-              <p:extLst>
-                <p:ext uri="{386F3935-93C4-4BCD-93E2-E3B085C9AB24}">
-                  <p16:designElem xmlns:p16="http://schemas.microsoft.com/office/powerpoint/2015/main" val="1"/>
-                </p:ext>
-              </p:extLst>
-            </p:nvPr>
-          </p:nvCxnSpPr>
-          <p:spPr>
-            <a:xfrm>
-              <a:off x="11993258" y="-1"/>
-              <a:ext cx="0" cy="6858000"/>
-            </a:xfrm>
-            <a:prstGeom prst="line">
-              <a:avLst/>
-            </a:prstGeom>
-            <a:ln w="12700">
-              <a:solidFill>
-                <a:srgbClr val="BCBCBC">
-                  <a:alpha val="29804"/>
-                </a:srgbClr>
-              </a:solidFill>
-              <a:prstDash val="sysDot"/>
-            </a:ln>
-          </p:spPr>
-          <p:style>
-            <a:lnRef idx="1">
-              <a:schemeClr val="accent1"/>
-            </a:lnRef>
-            <a:fillRef idx="0">
-              <a:schemeClr val="accent1"/>
-            </a:fillRef>
-            <a:effectRef idx="0">
-              <a:schemeClr val="accent1"/>
-            </a:effectRef>
-            <a:fontRef idx="minor">
-              <a:schemeClr val="tx1"/>
-            </a:fontRef>
-          </p:style>
-        </p:cxnSp>
-        <p:cxnSp>
-          <p:nvCxnSpPr>
-            <p:cNvPr id="166" name="Straight Connector 165">
-              <a:extLst>
-                <a:ext uri="{FF2B5EF4-FFF2-40B4-BE49-F238E27FC236}">
-                  <a16:creationId xmlns:a16="http://schemas.microsoft.com/office/drawing/2014/main" id="{B4288D7A-F857-418D-92F2-368E841B9F27}"/>
-                </a:ext>
-                <a:ext uri="{C183D7F6-B498-43B3-948B-1728B52AA6E4}">
-                  <adec:decorative xmlns:adec="http://schemas.microsoft.com/office/drawing/2017/decorative" val="1"/>
-                </a:ext>
-              </a:extLst>
-            </p:cNvPr>
-            <p:cNvCxnSpPr>
-              <a:cxnSpLocks/>
-            </p:cNvCxnSpPr>
-            <p:nvPr>
-              <p:extLst>
-                <p:ext uri="{386F3935-93C4-4BCD-93E2-E3B085C9AB24}">
-                  <p16:designElem xmlns:p16="http://schemas.microsoft.com/office/powerpoint/2015/main" val="1"/>
-                </p:ext>
-              </p:extLst>
-            </p:nvPr>
-          </p:nvCxnSpPr>
-          <p:spPr>
-            <a:xfrm>
-              <a:off x="192528" y="-1"/>
-              <a:ext cx="0" cy="6858000"/>
-            </a:xfrm>
-            <a:prstGeom prst="line">
-              <a:avLst/>
-            </a:prstGeom>
-            <a:ln w="12700">
-              <a:solidFill>
-                <a:srgbClr val="BCBCBC">
-                  <a:alpha val="29804"/>
-                </a:srgbClr>
-              </a:solidFill>
-              <a:prstDash val="sysDot"/>
-            </a:ln>
-          </p:spPr>
-          <p:style>
-            <a:lnRef idx="1">
-              <a:schemeClr val="accent1"/>
-            </a:lnRef>
-            <a:fillRef idx="0">
-              <a:schemeClr val="accent1"/>
-            </a:fillRef>
-            <a:effectRef idx="0">
-              <a:schemeClr val="accent1"/>
-            </a:effectRef>
-            <a:fontRef idx="minor">
-              <a:schemeClr val="tx1"/>
-            </a:fontRef>
-          </p:style>
-        </p:cxnSp>
-        <p:cxnSp>
-          <p:nvCxnSpPr>
-            <p:cNvPr id="167" name="Straight Connector 166">
-              <a:extLst>
-                <a:ext uri="{FF2B5EF4-FFF2-40B4-BE49-F238E27FC236}">
-                  <a16:creationId xmlns:a16="http://schemas.microsoft.com/office/drawing/2014/main" id="{F1084F50-7F3C-4A4A-877E-FFD9EC7CD88B}"/>
-                </a:ext>
-                <a:ext uri="{C183D7F6-B498-43B3-948B-1728B52AA6E4}">
-                  <adec:decorative xmlns:adec="http://schemas.microsoft.com/office/drawing/2017/decorative" val="1"/>
-                </a:ext>
-              </a:extLst>
-            </p:cNvPr>
-            <p:cNvCxnSpPr>
-              <a:cxnSpLocks/>
-            </p:cNvCxnSpPr>
-            <p:nvPr>
-              <p:extLst>
-                <p:ext uri="{386F3935-93C4-4BCD-93E2-E3B085C9AB24}">
-                  <p16:designElem xmlns:p16="http://schemas.microsoft.com/office/powerpoint/2015/main" val="1"/>
-                </p:ext>
-              </p:extLst>
-            </p:nvPr>
-          </p:nvCxnSpPr>
-          <p:spPr>
-            <a:xfrm>
-              <a:off x="1175922" y="-1"/>
-              <a:ext cx="0" cy="6858000"/>
-            </a:xfrm>
-            <a:prstGeom prst="line">
-              <a:avLst/>
-            </a:prstGeom>
-            <a:ln w="12700">
-              <a:solidFill>
-                <a:srgbClr val="BCBCBC">
-                  <a:alpha val="29804"/>
-                </a:srgbClr>
-              </a:solidFill>
-              <a:prstDash val="sysDot"/>
-            </a:ln>
-          </p:spPr>
-          <p:style>
-            <a:lnRef idx="1">
-              <a:schemeClr val="accent1"/>
-            </a:lnRef>
-            <a:fillRef idx="0">
-              <a:schemeClr val="accent1"/>
-            </a:fillRef>
-            <a:effectRef idx="0">
-              <a:schemeClr val="accent1"/>
-            </a:effectRef>
-            <a:fontRef idx="minor">
-              <a:schemeClr val="tx1"/>
-            </a:fontRef>
-          </p:style>
-        </p:cxnSp>
-        <p:cxnSp>
-          <p:nvCxnSpPr>
-            <p:cNvPr id="168" name="Straight Connector 167">
-              <a:extLst>
-                <a:ext uri="{FF2B5EF4-FFF2-40B4-BE49-F238E27FC236}">
-                  <a16:creationId xmlns:a16="http://schemas.microsoft.com/office/drawing/2014/main" id="{331E64C1-F4C0-4A94-B319-BB1A0A2450B5}"/>
-                </a:ext>
-                <a:ext uri="{C183D7F6-B498-43B3-948B-1728B52AA6E4}">
-                  <adec:decorative xmlns:adec="http://schemas.microsoft.com/office/drawing/2017/decorative" val="1"/>
-                </a:ext>
-              </a:extLst>
-            </p:cNvPr>
-            <p:cNvCxnSpPr>
-              <a:cxnSpLocks/>
-            </p:cNvCxnSpPr>
-            <p:nvPr>
-              <p:extLst>
-                <p:ext uri="{386F3935-93C4-4BCD-93E2-E3B085C9AB24}">
-                  <p16:designElem xmlns:p16="http://schemas.microsoft.com/office/powerpoint/2015/main" val="1"/>
-                </p:ext>
-              </p:extLst>
-            </p:nvPr>
-          </p:nvCxnSpPr>
-          <p:spPr>
-            <a:xfrm>
-              <a:off x="2159316" y="-1"/>
-              <a:ext cx="0" cy="6858000"/>
-            </a:xfrm>
-            <a:prstGeom prst="line">
-              <a:avLst/>
-            </a:prstGeom>
-            <a:ln w="12700">
-              <a:solidFill>
-                <a:srgbClr val="BCBCBC">
-                  <a:alpha val="29804"/>
-                </a:srgbClr>
-              </a:solidFill>
-              <a:prstDash val="sysDot"/>
-            </a:ln>
-          </p:spPr>
-          <p:style>
-            <a:lnRef idx="1">
-              <a:schemeClr val="accent1"/>
-            </a:lnRef>
-            <a:fillRef idx="0">
-              <a:schemeClr val="accent1"/>
-            </a:fillRef>
-            <a:effectRef idx="0">
-              <a:schemeClr val="accent1"/>
-            </a:effectRef>
-            <a:fontRef idx="minor">
-              <a:schemeClr val="tx1"/>
-            </a:fontRef>
-          </p:style>
-        </p:cxnSp>
-        <p:cxnSp>
-          <p:nvCxnSpPr>
-            <p:cNvPr id="169" name="Straight Connector 168">
-              <a:extLst>
-                <a:ext uri="{FF2B5EF4-FFF2-40B4-BE49-F238E27FC236}">
-                  <a16:creationId xmlns:a16="http://schemas.microsoft.com/office/drawing/2014/main" id="{363D8374-8052-417F-AB69-B97EAC43D513}"/>
-                </a:ext>
-                <a:ext uri="{C183D7F6-B498-43B3-948B-1728B52AA6E4}">
-                  <adec:decorative xmlns:adec="http://schemas.microsoft.com/office/drawing/2017/decorative" val="1"/>
-                </a:ext>
-              </a:extLst>
-            </p:cNvPr>
-            <p:cNvCxnSpPr>
-              <a:cxnSpLocks/>
-            </p:cNvCxnSpPr>
-            <p:nvPr>
-              <p:extLst>
-                <p:ext uri="{386F3935-93C4-4BCD-93E2-E3B085C9AB24}">
-                  <p16:designElem xmlns:p16="http://schemas.microsoft.com/office/powerpoint/2015/main" val="1"/>
-                </p:ext>
-              </p:extLst>
-            </p:nvPr>
-          </p:nvCxnSpPr>
-          <p:spPr>
-            <a:xfrm>
-              <a:off x="3142710" y="-1"/>
-              <a:ext cx="0" cy="6858000"/>
-            </a:xfrm>
-            <a:prstGeom prst="line">
-              <a:avLst/>
-            </a:prstGeom>
-            <a:ln w="12700">
-              <a:solidFill>
-                <a:srgbClr val="BCBCBC">
-                  <a:alpha val="29804"/>
-                </a:srgbClr>
-              </a:solidFill>
-              <a:prstDash val="sysDot"/>
-            </a:ln>
-          </p:spPr>
-          <p:style>
-            <a:lnRef idx="1">
-              <a:schemeClr val="accent1"/>
-            </a:lnRef>
-            <a:fillRef idx="0">
-              <a:schemeClr val="accent1"/>
-            </a:fillRef>
-            <a:effectRef idx="0">
-              <a:schemeClr val="accent1"/>
-            </a:effectRef>
-            <a:fontRef idx="minor">
-              <a:schemeClr val="tx1"/>
-            </a:fontRef>
-          </p:style>
-        </p:cxnSp>
-        <p:cxnSp>
-          <p:nvCxnSpPr>
-            <p:cNvPr id="170" name="Straight Connector 169">
-              <a:extLst>
-                <a:ext uri="{FF2B5EF4-FFF2-40B4-BE49-F238E27FC236}">
-                  <a16:creationId xmlns:a16="http://schemas.microsoft.com/office/drawing/2014/main" id="{C7750734-4D51-4019-A003-38A3DE49B434}"/>
-                </a:ext>
-                <a:ext uri="{C183D7F6-B498-43B3-948B-1728B52AA6E4}">
-                  <adec:decorative xmlns:adec="http://schemas.microsoft.com/office/drawing/2017/decorative" val="1"/>
-                </a:ext>
-              </a:extLst>
-            </p:cNvPr>
-            <p:cNvCxnSpPr>
-              <a:cxnSpLocks/>
-            </p:cNvCxnSpPr>
-            <p:nvPr>
-              <p:extLst>
-                <p:ext uri="{386F3935-93C4-4BCD-93E2-E3B085C9AB24}">
-                  <p16:designElem xmlns:p16="http://schemas.microsoft.com/office/powerpoint/2015/main" val="1"/>
-                </p:ext>
-              </p:extLst>
-            </p:nvPr>
-          </p:nvCxnSpPr>
-          <p:spPr>
-            <a:xfrm>
-              <a:off x="4126104" y="-1"/>
-              <a:ext cx="0" cy="6858000"/>
-            </a:xfrm>
-            <a:prstGeom prst="line">
-              <a:avLst/>
-            </a:prstGeom>
-            <a:ln w="12700">
-              <a:solidFill>
-                <a:srgbClr val="BCBCBC">
-                  <a:alpha val="29804"/>
-                </a:srgbClr>
-              </a:solidFill>
-              <a:prstDash val="sysDot"/>
-            </a:ln>
-          </p:spPr>
-          <p:style>
-            <a:lnRef idx="1">
-              <a:schemeClr val="accent1"/>
-            </a:lnRef>
-            <a:fillRef idx="0">
-              <a:schemeClr val="accent1"/>
-            </a:fillRef>
-            <a:effectRef idx="0">
-              <a:schemeClr val="accent1"/>
-            </a:effectRef>
-            <a:fontRef idx="minor">
-              <a:schemeClr val="tx1"/>
-            </a:fontRef>
-          </p:style>
-        </p:cxnSp>
-        <p:cxnSp>
-          <p:nvCxnSpPr>
-            <p:cNvPr id="171" name="Straight Connector 170">
-              <a:extLst>
-                <a:ext uri="{FF2B5EF4-FFF2-40B4-BE49-F238E27FC236}">
-                  <a16:creationId xmlns:a16="http://schemas.microsoft.com/office/drawing/2014/main" id="{71B693D1-DBA2-4D3B-9B37-D9EE8C4112F4}"/>
-                </a:ext>
-                <a:ext uri="{C183D7F6-B498-43B3-948B-1728B52AA6E4}">
-                  <adec:decorative xmlns:adec="http://schemas.microsoft.com/office/drawing/2017/decorative" val="1"/>
-                </a:ext>
-              </a:extLst>
-            </p:cNvPr>
-            <p:cNvCxnSpPr>
-              <a:cxnSpLocks/>
-            </p:cNvCxnSpPr>
-            <p:nvPr>
-              <p:extLst>
-                <p:ext uri="{386F3935-93C4-4BCD-93E2-E3B085C9AB24}">
-                  <p16:designElem xmlns:p16="http://schemas.microsoft.com/office/powerpoint/2015/main" val="1"/>
-                </p:ext>
-              </p:extLst>
-            </p:nvPr>
-          </p:nvCxnSpPr>
-          <p:spPr>
-            <a:xfrm>
-              <a:off x="5109498" y="-1"/>
-              <a:ext cx="0" cy="6858000"/>
-            </a:xfrm>
-            <a:prstGeom prst="line">
-              <a:avLst/>
-            </a:prstGeom>
-            <a:ln w="12700">
-              <a:solidFill>
-                <a:srgbClr val="BCBCBC">
-                  <a:alpha val="29804"/>
-                </a:srgbClr>
-              </a:solidFill>
-              <a:prstDash val="sysDot"/>
-            </a:ln>
-          </p:spPr>
-          <p:style>
-            <a:lnRef idx="1">
-              <a:schemeClr val="accent1"/>
-            </a:lnRef>
-            <a:fillRef idx="0">
-              <a:schemeClr val="accent1"/>
-            </a:fillRef>
-            <a:effectRef idx="0">
-              <a:schemeClr val="accent1"/>
-            </a:effectRef>
-            <a:fontRef idx="minor">
-              <a:schemeClr val="tx1"/>
-            </a:fontRef>
-          </p:style>
-        </p:cxnSp>
-        <p:cxnSp>
-          <p:nvCxnSpPr>
-            <p:cNvPr id="172" name="Straight Connector 171">
-              <a:extLst>
-                <a:ext uri="{FF2B5EF4-FFF2-40B4-BE49-F238E27FC236}">
-                  <a16:creationId xmlns:a16="http://schemas.microsoft.com/office/drawing/2014/main" id="{1BCD3EA8-E4C0-4AF6-817F-F9F29157A499}"/>
-                </a:ext>
-                <a:ext uri="{C183D7F6-B498-43B3-948B-1728B52AA6E4}">
-                  <adec:decorative xmlns:adec="http://schemas.microsoft.com/office/drawing/2017/decorative" val="1"/>
-                </a:ext>
-              </a:extLst>
-            </p:cNvPr>
-            <p:cNvCxnSpPr>
-              <a:cxnSpLocks/>
-            </p:cNvCxnSpPr>
-            <p:nvPr>
-              <p:extLst>
-                <p:ext uri="{386F3935-93C4-4BCD-93E2-E3B085C9AB24}">
-                  <p16:designElem xmlns:p16="http://schemas.microsoft.com/office/powerpoint/2015/main" val="1"/>
-                </p:ext>
-              </p:extLst>
-            </p:nvPr>
-          </p:nvCxnSpPr>
-          <p:spPr>
-            <a:xfrm>
-              <a:off x="6092892" y="-1"/>
-              <a:ext cx="0" cy="6858000"/>
-            </a:xfrm>
-            <a:prstGeom prst="line">
-              <a:avLst/>
-            </a:prstGeom>
-            <a:ln w="12700">
-              <a:solidFill>
-                <a:srgbClr val="BCBCBC">
-                  <a:alpha val="29804"/>
-                </a:srgbClr>
-              </a:solidFill>
-              <a:prstDash val="sysDot"/>
-            </a:ln>
-          </p:spPr>
-          <p:style>
-            <a:lnRef idx="1">
-              <a:schemeClr val="accent1"/>
-            </a:lnRef>
-            <a:fillRef idx="0">
-              <a:schemeClr val="accent1"/>
-            </a:fillRef>
-            <a:effectRef idx="0">
-              <a:schemeClr val="accent1"/>
-            </a:effectRef>
-            <a:fontRef idx="minor">
-              <a:schemeClr val="tx1"/>
-            </a:fontRef>
-          </p:style>
-        </p:cxnSp>
-        <p:cxnSp>
-          <p:nvCxnSpPr>
-            <p:cNvPr id="173" name="Straight Connector 172">
-              <a:extLst>
-                <a:ext uri="{FF2B5EF4-FFF2-40B4-BE49-F238E27FC236}">
-                  <a16:creationId xmlns:a16="http://schemas.microsoft.com/office/drawing/2014/main" id="{7A170FB3-B397-4AC9-85FD-65388F26D90A}"/>
-                </a:ext>
-                <a:ext uri="{C183D7F6-B498-43B3-948B-1728B52AA6E4}">
-                  <adec:decorative xmlns:adec="http://schemas.microsoft.com/office/drawing/2017/decorative" val="1"/>
-                </a:ext>
-              </a:extLst>
-            </p:cNvPr>
-            <p:cNvCxnSpPr>
-              <a:cxnSpLocks/>
-            </p:cNvCxnSpPr>
-            <p:nvPr>
-              <p:extLst>
-                <p:ext uri="{386F3935-93C4-4BCD-93E2-E3B085C9AB24}">
-                  <p16:designElem xmlns:p16="http://schemas.microsoft.com/office/powerpoint/2015/main" val="1"/>
-                </p:ext>
-              </p:extLst>
-            </p:nvPr>
-          </p:nvCxnSpPr>
-          <p:spPr>
-            <a:xfrm>
-              <a:off x="7076286" y="-1"/>
-              <a:ext cx="0" cy="6858000"/>
-            </a:xfrm>
-            <a:prstGeom prst="line">
-              <a:avLst/>
-            </a:prstGeom>
-            <a:ln w="12700">
-              <a:solidFill>
-                <a:srgbClr val="BCBCBC">
-                  <a:alpha val="29804"/>
-                </a:srgbClr>
-              </a:solidFill>
-              <a:prstDash val="sysDot"/>
-            </a:ln>
-          </p:spPr>
-          <p:style>
-            <a:lnRef idx="1">
-              <a:schemeClr val="accent1"/>
-            </a:lnRef>
-            <a:fillRef idx="0">
-              <a:schemeClr val="accent1"/>
-            </a:fillRef>
-            <a:effectRef idx="0">
-              <a:schemeClr val="accent1"/>
-            </a:effectRef>
-            <a:fontRef idx="minor">
-              <a:schemeClr val="tx1"/>
-            </a:fontRef>
-          </p:style>
-        </p:cxnSp>
-        <p:cxnSp>
-          <p:nvCxnSpPr>
-            <p:cNvPr id="174" name="Straight Connector 173">
-              <a:extLst>
-                <a:ext uri="{FF2B5EF4-FFF2-40B4-BE49-F238E27FC236}">
-                  <a16:creationId xmlns:a16="http://schemas.microsoft.com/office/drawing/2014/main" id="{BE5EC0B9-49C7-4777-AEC5-B5EF8DE40498}"/>
-                </a:ext>
-                <a:ext uri="{C183D7F6-B498-43B3-948B-1728B52AA6E4}">
-                  <adec:decorative xmlns:adec="http://schemas.microsoft.com/office/drawing/2017/decorative" val="1"/>
-                </a:ext>
-              </a:extLst>
-            </p:cNvPr>
-            <p:cNvCxnSpPr>
-              <a:cxnSpLocks/>
-            </p:cNvCxnSpPr>
-            <p:nvPr>
-              <p:extLst>
-                <p:ext uri="{386F3935-93C4-4BCD-93E2-E3B085C9AB24}">
-                  <p16:designElem xmlns:p16="http://schemas.microsoft.com/office/powerpoint/2015/main" val="1"/>
-                </p:ext>
-              </p:extLst>
-            </p:nvPr>
-          </p:nvCxnSpPr>
-          <p:spPr>
-            <a:xfrm>
-              <a:off x="8059680" y="-1"/>
-              <a:ext cx="0" cy="6858000"/>
-            </a:xfrm>
-            <a:prstGeom prst="line">
-              <a:avLst/>
-            </a:prstGeom>
-            <a:ln w="12700">
-              <a:solidFill>
-                <a:srgbClr val="BCBCBC">
-                  <a:alpha val="29804"/>
-                </a:srgbClr>
-              </a:solidFill>
-              <a:prstDash val="sysDot"/>
-            </a:ln>
-          </p:spPr>
-          <p:style>
-            <a:lnRef idx="1">
-              <a:schemeClr val="accent1"/>
-            </a:lnRef>
-            <a:fillRef idx="0">
-              <a:schemeClr val="accent1"/>
-            </a:fillRef>
-            <a:effectRef idx="0">
-              <a:schemeClr val="accent1"/>
-            </a:effectRef>
-            <a:fontRef idx="minor">
-              <a:schemeClr val="tx1"/>
-            </a:fontRef>
-          </p:style>
-        </p:cxnSp>
-        <p:cxnSp>
-          <p:nvCxnSpPr>
-            <p:cNvPr id="175" name="Straight Connector 174">
-              <a:extLst>
-                <a:ext uri="{FF2B5EF4-FFF2-40B4-BE49-F238E27FC236}">
-                  <a16:creationId xmlns:a16="http://schemas.microsoft.com/office/drawing/2014/main" id="{7902048B-30F7-4434-87A5-140F9BB4BEB1}"/>
-                </a:ext>
-                <a:ext uri="{C183D7F6-B498-43B3-948B-1728B52AA6E4}">
-                  <adec:decorative xmlns:adec="http://schemas.microsoft.com/office/drawing/2017/decorative" val="1"/>
-                </a:ext>
-              </a:extLst>
-            </p:cNvPr>
-            <p:cNvCxnSpPr>
-              <a:cxnSpLocks/>
-            </p:cNvCxnSpPr>
-            <p:nvPr>
-              <p:extLst>
-                <p:ext uri="{386F3935-93C4-4BCD-93E2-E3B085C9AB24}">
-                  <p16:designElem xmlns:p16="http://schemas.microsoft.com/office/powerpoint/2015/main" val="1"/>
-                </p:ext>
-              </p:extLst>
-            </p:nvPr>
-          </p:nvCxnSpPr>
-          <p:spPr>
-            <a:xfrm>
-              <a:off x="9043074" y="-1"/>
-              <a:ext cx="0" cy="6858000"/>
-            </a:xfrm>
-            <a:prstGeom prst="line">
-              <a:avLst/>
-            </a:prstGeom>
-            <a:ln w="12700">
-              <a:solidFill>
-                <a:srgbClr val="BCBCBC">
-                  <a:alpha val="29804"/>
-                </a:srgbClr>
-              </a:solidFill>
-              <a:prstDash val="sysDot"/>
-            </a:ln>
-          </p:spPr>
-          <p:style>
-            <a:lnRef idx="1">
-              <a:schemeClr val="accent1"/>
-            </a:lnRef>
-            <a:fillRef idx="0">
-              <a:schemeClr val="accent1"/>
-            </a:fillRef>
-            <a:effectRef idx="0">
-              <a:schemeClr val="accent1"/>
-            </a:effectRef>
-            <a:fontRef idx="minor">
-              <a:schemeClr val="tx1"/>
-            </a:fontRef>
-          </p:style>
-        </p:cxnSp>
-        <p:cxnSp>
-          <p:nvCxnSpPr>
-            <p:cNvPr id="176" name="Straight Connector 175">
-              <a:extLst>
-                <a:ext uri="{FF2B5EF4-FFF2-40B4-BE49-F238E27FC236}">
-                  <a16:creationId xmlns:a16="http://schemas.microsoft.com/office/drawing/2014/main" id="{0500A6E2-A41C-4751-8A4E-9A0C5718D930}"/>
-                </a:ext>
-                <a:ext uri="{C183D7F6-B498-43B3-948B-1728B52AA6E4}">
-                  <adec:decorative xmlns:adec="http://schemas.microsoft.com/office/drawing/2017/decorative" val="1"/>
-                </a:ext>
-              </a:extLst>
-            </p:cNvPr>
-            <p:cNvCxnSpPr>
-              <a:cxnSpLocks/>
-            </p:cNvCxnSpPr>
-            <p:nvPr>
-              <p:extLst>
-                <p:ext uri="{386F3935-93C4-4BCD-93E2-E3B085C9AB24}">
-                  <p16:designElem xmlns:p16="http://schemas.microsoft.com/office/powerpoint/2015/main" val="1"/>
-                </p:ext>
-              </p:extLst>
-            </p:nvPr>
-          </p:nvCxnSpPr>
-          <p:spPr>
-            <a:xfrm>
-              <a:off x="10026468" y="-1"/>
-              <a:ext cx="0" cy="6858000"/>
-            </a:xfrm>
-            <a:prstGeom prst="line">
-              <a:avLst/>
-            </a:prstGeom>
-            <a:ln w="12700">
-              <a:solidFill>
-                <a:srgbClr val="BCBCBC">
-                  <a:alpha val="29804"/>
-                </a:srgbClr>
-              </a:solidFill>
-              <a:prstDash val="sysDot"/>
-            </a:ln>
-          </p:spPr>
-          <p:style>
-            <a:lnRef idx="1">
-              <a:schemeClr val="accent1"/>
-            </a:lnRef>
-            <a:fillRef idx="0">
-              <a:schemeClr val="accent1"/>
-            </a:fillRef>
-            <a:effectRef idx="0">
-              <a:schemeClr val="accent1"/>
-            </a:effectRef>
-            <a:fontRef idx="minor">
-              <a:schemeClr val="tx1"/>
-            </a:fontRef>
-          </p:style>
-        </p:cxnSp>
-        <p:cxnSp>
-          <p:nvCxnSpPr>
-            <p:cNvPr id="177" name="Straight Connector 176">
-              <a:extLst>
-                <a:ext uri="{FF2B5EF4-FFF2-40B4-BE49-F238E27FC236}">
-                  <a16:creationId xmlns:a16="http://schemas.microsoft.com/office/drawing/2014/main" id="{FC259517-7BE7-45F9-81C0-3A6362BF143C}"/>
-                </a:ext>
-                <a:ext uri="{C183D7F6-B498-43B3-948B-1728B52AA6E4}">
-                  <adec:decorative xmlns:adec="http://schemas.microsoft.com/office/drawing/2017/decorative" val="1"/>
-                </a:ext>
-              </a:extLst>
-            </p:cNvPr>
-            <p:cNvCxnSpPr>
-              <a:cxnSpLocks/>
-            </p:cNvCxnSpPr>
-            <p:nvPr>
-              <p:extLst>
-                <p:ext uri="{386F3935-93C4-4BCD-93E2-E3B085C9AB24}">
-                  <p16:designElem xmlns:p16="http://schemas.microsoft.com/office/powerpoint/2015/main" val="1"/>
-                </p:ext>
-              </p:extLst>
-            </p:nvPr>
-          </p:nvCxnSpPr>
-          <p:spPr>
-            <a:xfrm>
-              <a:off x="11009862" y="-1"/>
-              <a:ext cx="0" cy="6858000"/>
-            </a:xfrm>
-            <a:prstGeom prst="line">
-              <a:avLst/>
-            </a:prstGeom>
-            <a:ln w="12700">
-              <a:solidFill>
-                <a:srgbClr val="BCBCBC">
-                  <a:alpha val="29804"/>
-                </a:srgbClr>
-              </a:solidFill>
-              <a:prstDash val="sysDot"/>
-            </a:ln>
-          </p:spPr>
-          <p:style>
-            <a:lnRef idx="1">
-              <a:schemeClr val="accent1"/>
-            </a:lnRef>
-            <a:fillRef idx="0">
-              <a:schemeClr val="accent1"/>
-            </a:fillRef>
-            <a:effectRef idx="0">
-              <a:schemeClr val="accent1"/>
-            </a:effectRef>
-            <a:fontRef idx="minor">
-              <a:schemeClr val="tx1"/>
-            </a:fontRef>
-          </p:style>
-        </p:cxnSp>
-        <p:cxnSp>
-          <p:nvCxnSpPr>
-            <p:cNvPr id="178" name="Straight Connector 177">
-              <a:extLst>
-                <a:ext uri="{FF2B5EF4-FFF2-40B4-BE49-F238E27FC236}">
-                  <a16:creationId xmlns:a16="http://schemas.microsoft.com/office/drawing/2014/main" id="{90652F56-7B71-42B2-AB68-22204A6DF177}"/>
-                </a:ext>
-                <a:ext uri="{C183D7F6-B498-43B3-948B-1728B52AA6E4}">
-                  <adec:decorative xmlns:adec="http://schemas.microsoft.com/office/drawing/2017/decorative" val="1"/>
-                </a:ext>
-              </a:extLst>
-            </p:cNvPr>
-            <p:cNvCxnSpPr>
-              <a:cxnSpLocks/>
-            </p:cNvCxnSpPr>
-            <p:nvPr>
-              <p:extLst>
-                <p:ext uri="{386F3935-93C4-4BCD-93E2-E3B085C9AB24}">
-                  <p16:designElem xmlns:p16="http://schemas.microsoft.com/office/powerpoint/2015/main" val="1"/>
-                </p:ext>
-              </p:extLst>
-            </p:nvPr>
-          </p:nvCxnSpPr>
-          <p:spPr>
-            <a:xfrm>
-              <a:off x="12185786" y="-1"/>
-              <a:ext cx="0" cy="6858000"/>
-            </a:xfrm>
-            <a:prstGeom prst="line">
-              <a:avLst/>
-            </a:prstGeom>
-            <a:ln w="12700">
-              <a:solidFill>
-                <a:srgbClr val="BCBCBC">
-                  <a:alpha val="29804"/>
-                </a:srgbClr>
-              </a:solidFill>
-              <a:prstDash val="sysDot"/>
-            </a:ln>
-          </p:spPr>
-          <p:style>
-            <a:lnRef idx="1">
-              <a:schemeClr val="accent1"/>
-            </a:lnRef>
-            <a:fillRef idx="0">
-              <a:schemeClr val="accent1"/>
-            </a:fillRef>
-            <a:effectRef idx="0">
-              <a:schemeClr val="accent1"/>
-            </a:effectRef>
-            <a:fontRef idx="minor">
-              <a:schemeClr val="tx1"/>
-            </a:fontRef>
-          </p:style>
-        </p:cxnSp>
-        <p:cxnSp>
-          <p:nvCxnSpPr>
-            <p:cNvPr id="179" name="Straight Connector 178">
-              <a:extLst>
-                <a:ext uri="{FF2B5EF4-FFF2-40B4-BE49-F238E27FC236}">
-                  <a16:creationId xmlns:a16="http://schemas.microsoft.com/office/drawing/2014/main" id="{1059830E-1C3D-4D42-8789-524971CB4657}"/>
-                </a:ext>
-                <a:ext uri="{C183D7F6-B498-43B3-948B-1728B52AA6E4}">
-                  <adec:decorative xmlns:adec="http://schemas.microsoft.com/office/drawing/2017/decorative" val="1"/>
-                </a:ext>
-              </a:extLst>
-            </p:cNvPr>
-            <p:cNvCxnSpPr>
-              <a:cxnSpLocks/>
-            </p:cNvCxnSpPr>
-            <p:nvPr>
-              <p:extLst>
-                <p:ext uri="{386F3935-93C4-4BCD-93E2-E3B085C9AB24}">
-                  <p16:designElem xmlns:p16="http://schemas.microsoft.com/office/powerpoint/2015/main" val="1"/>
-                </p:ext>
-              </p:extLst>
-            </p:nvPr>
-          </p:nvCxnSpPr>
-          <p:spPr>
-            <a:xfrm>
-              <a:off x="0" y="171716"/>
-              <a:ext cx="12192000" cy="0"/>
-            </a:xfrm>
-            <a:prstGeom prst="line">
-              <a:avLst/>
-            </a:prstGeom>
-            <a:ln w="12700">
-              <a:solidFill>
-                <a:srgbClr val="BCBCBC">
-                  <a:alpha val="29804"/>
-                </a:srgbClr>
-              </a:solidFill>
-              <a:prstDash val="sysDot"/>
-            </a:ln>
-          </p:spPr>
-          <p:style>
-            <a:lnRef idx="1">
-              <a:schemeClr val="accent1"/>
-            </a:lnRef>
-            <a:fillRef idx="0">
-              <a:schemeClr val="accent1"/>
-            </a:fillRef>
-            <a:effectRef idx="0">
-              <a:schemeClr val="accent1"/>
-            </a:effectRef>
-            <a:fontRef idx="minor">
-              <a:schemeClr val="tx1"/>
-            </a:fontRef>
-          </p:style>
-        </p:cxnSp>
-        <p:cxnSp>
-          <p:nvCxnSpPr>
-            <p:cNvPr id="180" name="Straight Connector 179">
-              <a:extLst>
-                <a:ext uri="{FF2B5EF4-FFF2-40B4-BE49-F238E27FC236}">
-                  <a16:creationId xmlns:a16="http://schemas.microsoft.com/office/drawing/2014/main" id="{B53325A7-86D3-4B52-A7E3-ADDF408B4067}"/>
-                </a:ext>
-                <a:ext uri="{C183D7F6-B498-43B3-948B-1728B52AA6E4}">
-                  <adec:decorative xmlns:adec="http://schemas.microsoft.com/office/drawing/2017/decorative" val="1"/>
-                </a:ext>
-              </a:extLst>
-            </p:cNvPr>
-            <p:cNvCxnSpPr>
-              <a:cxnSpLocks/>
-            </p:cNvCxnSpPr>
-            <p:nvPr>
-              <p:extLst>
-                <p:ext uri="{386F3935-93C4-4BCD-93E2-E3B085C9AB24}">
-                  <p16:designElem xmlns:p16="http://schemas.microsoft.com/office/powerpoint/2015/main" val="1"/>
-                </p:ext>
-              </p:extLst>
-            </p:nvPr>
-          </p:nvCxnSpPr>
-          <p:spPr>
-            <a:xfrm>
-              <a:off x="0" y="714597"/>
-              <a:ext cx="12192000" cy="0"/>
-            </a:xfrm>
-            <a:prstGeom prst="line">
-              <a:avLst/>
-            </a:prstGeom>
-            <a:ln w="12700">
-              <a:solidFill>
-                <a:srgbClr val="BCBCBC">
-                  <a:alpha val="29804"/>
-                </a:srgbClr>
-              </a:solidFill>
-              <a:prstDash val="sysDot"/>
-            </a:ln>
-          </p:spPr>
-          <p:style>
-            <a:lnRef idx="1">
-              <a:schemeClr val="accent1"/>
-            </a:lnRef>
-            <a:fillRef idx="0">
-              <a:schemeClr val="accent1"/>
-            </a:fillRef>
-            <a:effectRef idx="0">
-              <a:schemeClr val="accent1"/>
-            </a:effectRef>
-            <a:fontRef idx="minor">
-              <a:schemeClr val="tx1"/>
-            </a:fontRef>
-          </p:style>
-        </p:cxnSp>
-        <p:cxnSp>
-          <p:nvCxnSpPr>
-            <p:cNvPr id="181" name="Straight Connector 180">
-              <a:extLst>
-                <a:ext uri="{FF2B5EF4-FFF2-40B4-BE49-F238E27FC236}">
-                  <a16:creationId xmlns:a16="http://schemas.microsoft.com/office/drawing/2014/main" id="{6D53F46F-EC12-484C-A4E7-791E57687AC1}"/>
-                </a:ext>
-                <a:ext uri="{C183D7F6-B498-43B3-948B-1728B52AA6E4}">
-                  <adec:decorative xmlns:adec="http://schemas.microsoft.com/office/drawing/2017/decorative" val="1"/>
-                </a:ext>
-              </a:extLst>
-            </p:cNvPr>
-            <p:cNvCxnSpPr>
-              <a:cxnSpLocks/>
-            </p:cNvCxnSpPr>
-            <p:nvPr>
-              <p:extLst>
-                <p:ext uri="{386F3935-93C4-4BCD-93E2-E3B085C9AB24}">
-                  <p16:designElem xmlns:p16="http://schemas.microsoft.com/office/powerpoint/2015/main" val="1"/>
-                </p:ext>
-              </p:extLst>
-            </p:nvPr>
-          </p:nvCxnSpPr>
-          <p:spPr>
-            <a:xfrm>
-              <a:off x="0" y="1257478"/>
-              <a:ext cx="12192000" cy="0"/>
-            </a:xfrm>
-            <a:prstGeom prst="line">
-              <a:avLst/>
-            </a:prstGeom>
-            <a:ln w="12700">
-              <a:solidFill>
-                <a:srgbClr val="BCBCBC">
-                  <a:alpha val="29804"/>
-                </a:srgbClr>
-              </a:solidFill>
-              <a:prstDash val="sysDot"/>
-            </a:ln>
-          </p:spPr>
-          <p:style>
-            <a:lnRef idx="1">
-              <a:schemeClr val="accent1"/>
-            </a:lnRef>
-            <a:fillRef idx="0">
-              <a:schemeClr val="accent1"/>
-            </a:fillRef>
-            <a:effectRef idx="0">
-              <a:schemeClr val="accent1"/>
-            </a:effectRef>
-            <a:fontRef idx="minor">
-              <a:schemeClr val="tx1"/>
-            </a:fontRef>
-          </p:style>
-        </p:cxnSp>
-        <p:cxnSp>
-          <p:nvCxnSpPr>
-            <p:cNvPr id="182" name="Straight Connector 181">
-              <a:extLst>
-                <a:ext uri="{FF2B5EF4-FFF2-40B4-BE49-F238E27FC236}">
-                  <a16:creationId xmlns:a16="http://schemas.microsoft.com/office/drawing/2014/main" id="{464ED9CA-8950-47B8-A9ED-22B45CE15FBC}"/>
-                </a:ext>
-                <a:ext uri="{C183D7F6-B498-43B3-948B-1728B52AA6E4}">
-                  <adec:decorative xmlns:adec="http://schemas.microsoft.com/office/drawing/2017/decorative" val="1"/>
-                </a:ext>
-              </a:extLst>
-            </p:cNvPr>
-            <p:cNvCxnSpPr>
-              <a:cxnSpLocks/>
-            </p:cNvCxnSpPr>
-            <p:nvPr>
-              <p:extLst>
-                <p:ext uri="{386F3935-93C4-4BCD-93E2-E3B085C9AB24}">
-                  <p16:designElem xmlns:p16="http://schemas.microsoft.com/office/powerpoint/2015/main" val="1"/>
-                </p:ext>
-              </p:extLst>
-            </p:nvPr>
-          </p:nvCxnSpPr>
-          <p:spPr>
-            <a:xfrm>
-              <a:off x="0" y="1800359"/>
-              <a:ext cx="12192000" cy="0"/>
-            </a:xfrm>
-            <a:prstGeom prst="line">
-              <a:avLst/>
-            </a:prstGeom>
-            <a:ln w="12700">
-              <a:solidFill>
-                <a:srgbClr val="BCBCBC">
-                  <a:alpha val="29804"/>
-                </a:srgbClr>
-              </a:solidFill>
-              <a:prstDash val="sysDot"/>
-            </a:ln>
-          </p:spPr>
-          <p:style>
-            <a:lnRef idx="1">
-              <a:schemeClr val="accent1"/>
-            </a:lnRef>
-            <a:fillRef idx="0">
-              <a:schemeClr val="accent1"/>
-            </a:fillRef>
-            <a:effectRef idx="0">
-              <a:schemeClr val="accent1"/>
-            </a:effectRef>
-            <a:fontRef idx="minor">
-              <a:schemeClr val="tx1"/>
-            </a:fontRef>
-          </p:style>
-        </p:cxnSp>
-        <p:cxnSp>
-          <p:nvCxnSpPr>
-            <p:cNvPr id="183" name="Straight Connector 182">
-              <a:extLst>
-                <a:ext uri="{FF2B5EF4-FFF2-40B4-BE49-F238E27FC236}">
-                  <a16:creationId xmlns:a16="http://schemas.microsoft.com/office/drawing/2014/main" id="{E4429F7B-9FD7-438F-8ECA-3FCAD0061805}"/>
-                </a:ext>
-                <a:ext uri="{C183D7F6-B498-43B3-948B-1728B52AA6E4}">
-                  <adec:decorative xmlns:adec="http://schemas.microsoft.com/office/drawing/2017/decorative" val="1"/>
-                </a:ext>
-              </a:extLst>
-            </p:cNvPr>
-            <p:cNvCxnSpPr>
-              <a:cxnSpLocks/>
-            </p:cNvCxnSpPr>
-            <p:nvPr>
-              <p:extLst>
-                <p:ext uri="{386F3935-93C4-4BCD-93E2-E3B085C9AB24}">
-                  <p16:designElem xmlns:p16="http://schemas.microsoft.com/office/powerpoint/2015/main" val="1"/>
-                </p:ext>
-              </p:extLst>
-            </p:nvPr>
-          </p:nvCxnSpPr>
-          <p:spPr>
-            <a:xfrm>
-              <a:off x="0" y="2343240"/>
-              <a:ext cx="12192000" cy="0"/>
-            </a:xfrm>
-            <a:prstGeom prst="line">
-              <a:avLst/>
-            </a:prstGeom>
-            <a:ln w="12700">
-              <a:solidFill>
-                <a:srgbClr val="BCBCBC">
-                  <a:alpha val="29804"/>
-                </a:srgbClr>
-              </a:solidFill>
-              <a:prstDash val="sysDot"/>
-            </a:ln>
-          </p:spPr>
-          <p:style>
-            <a:lnRef idx="1">
-              <a:schemeClr val="accent1"/>
-            </a:lnRef>
-            <a:fillRef idx="0">
-              <a:schemeClr val="accent1"/>
-            </a:fillRef>
-            <a:effectRef idx="0">
-              <a:schemeClr val="accent1"/>
-            </a:effectRef>
-            <a:fontRef idx="minor">
-              <a:schemeClr val="tx1"/>
-            </a:fontRef>
-          </p:style>
-        </p:cxnSp>
-        <p:cxnSp>
-          <p:nvCxnSpPr>
-            <p:cNvPr id="184" name="Straight Connector 183">
-              <a:extLst>
-                <a:ext uri="{FF2B5EF4-FFF2-40B4-BE49-F238E27FC236}">
-                  <a16:creationId xmlns:a16="http://schemas.microsoft.com/office/drawing/2014/main" id="{0C558100-D455-4B41-890C-BCC898B2D165}"/>
-                </a:ext>
-                <a:ext uri="{C183D7F6-B498-43B3-948B-1728B52AA6E4}">
-                  <adec:decorative xmlns:adec="http://schemas.microsoft.com/office/drawing/2017/decorative" val="1"/>
-                </a:ext>
-              </a:extLst>
-            </p:cNvPr>
-            <p:cNvCxnSpPr>
-              <a:cxnSpLocks/>
-            </p:cNvCxnSpPr>
-            <p:nvPr>
-              <p:extLst>
-                <p:ext uri="{386F3935-93C4-4BCD-93E2-E3B085C9AB24}">
-                  <p16:designElem xmlns:p16="http://schemas.microsoft.com/office/powerpoint/2015/main" val="1"/>
-                </p:ext>
-              </p:extLst>
-            </p:nvPr>
-          </p:nvCxnSpPr>
-          <p:spPr>
-            <a:xfrm>
-              <a:off x="0" y="2886121"/>
-              <a:ext cx="12192000" cy="0"/>
-            </a:xfrm>
-            <a:prstGeom prst="line">
-              <a:avLst/>
-            </a:prstGeom>
-            <a:ln w="12700">
-              <a:solidFill>
-                <a:srgbClr val="BCBCBC">
-                  <a:alpha val="29804"/>
-                </a:srgbClr>
-              </a:solidFill>
-              <a:prstDash val="sysDot"/>
-            </a:ln>
-          </p:spPr>
-          <p:style>
-            <a:lnRef idx="1">
-              <a:schemeClr val="accent1"/>
-            </a:lnRef>
-            <a:fillRef idx="0">
-              <a:schemeClr val="accent1"/>
-            </a:fillRef>
-            <a:effectRef idx="0">
-              <a:schemeClr val="accent1"/>
-            </a:effectRef>
-            <a:fontRef idx="minor">
-              <a:schemeClr val="tx1"/>
-            </a:fontRef>
-          </p:style>
-        </p:cxnSp>
-        <p:cxnSp>
-          <p:nvCxnSpPr>
-            <p:cNvPr id="185" name="Straight Connector 184">
-              <a:extLst>
-                <a:ext uri="{FF2B5EF4-FFF2-40B4-BE49-F238E27FC236}">
-                  <a16:creationId xmlns:a16="http://schemas.microsoft.com/office/drawing/2014/main" id="{F2886397-398A-4318-BE16-2CBAC1902F9E}"/>
-                </a:ext>
-                <a:ext uri="{C183D7F6-B498-43B3-948B-1728B52AA6E4}">
-                  <adec:decorative xmlns:adec="http://schemas.microsoft.com/office/drawing/2017/decorative" val="1"/>
-                </a:ext>
-              </a:extLst>
-            </p:cNvPr>
-            <p:cNvCxnSpPr>
-              <a:cxnSpLocks/>
-            </p:cNvCxnSpPr>
-            <p:nvPr>
-              <p:extLst>
-                <p:ext uri="{386F3935-93C4-4BCD-93E2-E3B085C9AB24}">
-                  <p16:designElem xmlns:p16="http://schemas.microsoft.com/office/powerpoint/2015/main" val="1"/>
-                </p:ext>
-              </p:extLst>
-            </p:nvPr>
-          </p:nvCxnSpPr>
-          <p:spPr>
-            <a:xfrm>
-              <a:off x="0" y="3429002"/>
-              <a:ext cx="12192000" cy="0"/>
-            </a:xfrm>
-            <a:prstGeom prst="line">
-              <a:avLst/>
-            </a:prstGeom>
-            <a:ln w="12700">
-              <a:solidFill>
-                <a:srgbClr val="BCBCBC">
-                  <a:alpha val="29804"/>
-                </a:srgbClr>
-              </a:solidFill>
-              <a:prstDash val="sysDot"/>
-            </a:ln>
-          </p:spPr>
-          <p:style>
-            <a:lnRef idx="1">
-              <a:schemeClr val="accent1"/>
-            </a:lnRef>
-            <a:fillRef idx="0">
-              <a:schemeClr val="accent1"/>
-            </a:fillRef>
-            <a:effectRef idx="0">
-              <a:schemeClr val="accent1"/>
-            </a:effectRef>
-            <a:fontRef idx="minor">
-              <a:schemeClr val="tx1"/>
-            </a:fontRef>
-          </p:style>
-        </p:cxnSp>
-        <p:cxnSp>
-          <p:nvCxnSpPr>
-            <p:cNvPr id="186" name="Straight Connector 185">
-              <a:extLst>
-                <a:ext uri="{FF2B5EF4-FFF2-40B4-BE49-F238E27FC236}">
-                  <a16:creationId xmlns:a16="http://schemas.microsoft.com/office/drawing/2014/main" id="{7D32A3A6-CE6E-4ABD-8522-2C8DC88C070E}"/>
-                </a:ext>
-                <a:ext uri="{C183D7F6-B498-43B3-948B-1728B52AA6E4}">
-                  <adec:decorative xmlns:adec="http://schemas.microsoft.com/office/drawing/2017/decorative" val="1"/>
-                </a:ext>
-              </a:extLst>
-            </p:cNvPr>
-            <p:cNvCxnSpPr>
-              <a:cxnSpLocks/>
-            </p:cNvCxnSpPr>
-            <p:nvPr>
-              <p:extLst>
-                <p:ext uri="{386F3935-93C4-4BCD-93E2-E3B085C9AB24}">
-                  <p16:designElem xmlns:p16="http://schemas.microsoft.com/office/powerpoint/2015/main" val="1"/>
-                </p:ext>
-              </p:extLst>
-            </p:nvPr>
-          </p:nvCxnSpPr>
-          <p:spPr>
-            <a:xfrm>
-              <a:off x="0" y="3971883"/>
-              <a:ext cx="12192000" cy="0"/>
-            </a:xfrm>
-            <a:prstGeom prst="line">
-              <a:avLst/>
-            </a:prstGeom>
-            <a:ln w="12700">
-              <a:solidFill>
-                <a:srgbClr val="BCBCBC">
-                  <a:alpha val="29804"/>
-                </a:srgbClr>
-              </a:solidFill>
-              <a:prstDash val="sysDot"/>
-            </a:ln>
-          </p:spPr>
-          <p:style>
-            <a:lnRef idx="1">
-              <a:schemeClr val="accent1"/>
-            </a:lnRef>
-            <a:fillRef idx="0">
-              <a:schemeClr val="accent1"/>
-            </a:fillRef>
-            <a:effectRef idx="0">
-              <a:schemeClr val="accent1"/>
-            </a:effectRef>
-            <a:fontRef idx="minor">
-              <a:schemeClr val="tx1"/>
-            </a:fontRef>
-          </p:style>
-        </p:cxnSp>
-        <p:cxnSp>
-          <p:nvCxnSpPr>
-            <p:cNvPr id="187" name="Straight Connector 186">
-              <a:extLst>
-                <a:ext uri="{FF2B5EF4-FFF2-40B4-BE49-F238E27FC236}">
-                  <a16:creationId xmlns:a16="http://schemas.microsoft.com/office/drawing/2014/main" id="{F9014C09-5B84-4798-8BDE-C80D76E67B8E}"/>
-                </a:ext>
-                <a:ext uri="{C183D7F6-B498-43B3-948B-1728B52AA6E4}">
-                  <adec:decorative xmlns:adec="http://schemas.microsoft.com/office/drawing/2017/decorative" val="1"/>
-                </a:ext>
-              </a:extLst>
-            </p:cNvPr>
-            <p:cNvCxnSpPr>
-              <a:cxnSpLocks/>
-            </p:cNvCxnSpPr>
-            <p:nvPr>
-              <p:extLst>
-                <p:ext uri="{386F3935-93C4-4BCD-93E2-E3B085C9AB24}">
-                  <p16:designElem xmlns:p16="http://schemas.microsoft.com/office/powerpoint/2015/main" val="1"/>
-                </p:ext>
-              </p:extLst>
-            </p:nvPr>
-          </p:nvCxnSpPr>
-          <p:spPr>
-            <a:xfrm>
-              <a:off x="0" y="4514764"/>
-              <a:ext cx="12192000" cy="0"/>
-            </a:xfrm>
-            <a:prstGeom prst="line">
-              <a:avLst/>
-            </a:prstGeom>
-            <a:ln w="12700">
-              <a:solidFill>
-                <a:srgbClr val="BCBCBC">
-                  <a:alpha val="29804"/>
-                </a:srgbClr>
-              </a:solidFill>
-              <a:prstDash val="sysDot"/>
-            </a:ln>
-          </p:spPr>
-          <p:style>
-            <a:lnRef idx="1">
-              <a:schemeClr val="accent1"/>
-            </a:lnRef>
-            <a:fillRef idx="0">
-              <a:schemeClr val="accent1"/>
-            </a:fillRef>
-            <a:effectRef idx="0">
-              <a:schemeClr val="accent1"/>
-            </a:effectRef>
-            <a:fontRef idx="minor">
-              <a:schemeClr val="tx1"/>
-            </a:fontRef>
-          </p:style>
-        </p:cxnSp>
-        <p:cxnSp>
-          <p:nvCxnSpPr>
-            <p:cNvPr id="188" name="Straight Connector 187">
-              <a:extLst>
-                <a:ext uri="{FF2B5EF4-FFF2-40B4-BE49-F238E27FC236}">
-                  <a16:creationId xmlns:a16="http://schemas.microsoft.com/office/drawing/2014/main" id="{2A29EB9E-ED9D-4C69-8A26-9A7A0A830569}"/>
-                </a:ext>
-                <a:ext uri="{C183D7F6-B498-43B3-948B-1728B52AA6E4}">
-                  <adec:decorative xmlns:adec="http://schemas.microsoft.com/office/drawing/2017/decorative" val="1"/>
-                </a:ext>
-              </a:extLst>
-            </p:cNvPr>
-            <p:cNvCxnSpPr>
-              <a:cxnSpLocks/>
-            </p:cNvCxnSpPr>
-            <p:nvPr>
-              <p:extLst>
-                <p:ext uri="{386F3935-93C4-4BCD-93E2-E3B085C9AB24}">
-                  <p16:designElem xmlns:p16="http://schemas.microsoft.com/office/powerpoint/2015/main" val="1"/>
-                </p:ext>
-              </p:extLst>
-            </p:nvPr>
-          </p:nvCxnSpPr>
-          <p:spPr>
-            <a:xfrm>
-              <a:off x="0" y="5057645"/>
-              <a:ext cx="12192000" cy="0"/>
-            </a:xfrm>
-            <a:prstGeom prst="line">
-              <a:avLst/>
-            </a:prstGeom>
-            <a:ln w="12700">
-              <a:solidFill>
-                <a:srgbClr val="BCBCBC">
-                  <a:alpha val="29804"/>
-                </a:srgbClr>
-              </a:solidFill>
-              <a:prstDash val="sysDot"/>
-            </a:ln>
-          </p:spPr>
-          <p:style>
-            <a:lnRef idx="1">
-              <a:schemeClr val="accent1"/>
-            </a:lnRef>
-            <a:fillRef idx="0">
-              <a:schemeClr val="accent1"/>
-            </a:fillRef>
-            <a:effectRef idx="0">
-              <a:schemeClr val="accent1"/>
-            </a:effectRef>
-            <a:fontRef idx="minor">
-              <a:schemeClr val="tx1"/>
-            </a:fontRef>
-          </p:style>
-        </p:cxnSp>
-        <p:cxnSp>
-          <p:nvCxnSpPr>
-            <p:cNvPr id="189" name="Straight Connector 188">
-              <a:extLst>
-                <a:ext uri="{FF2B5EF4-FFF2-40B4-BE49-F238E27FC236}">
-                  <a16:creationId xmlns:a16="http://schemas.microsoft.com/office/drawing/2014/main" id="{AA2899F9-1795-416F-8F3D-26EEB684DB6A}"/>
-                </a:ext>
-                <a:ext uri="{C183D7F6-B498-43B3-948B-1728B52AA6E4}">
-                  <adec:decorative xmlns:adec="http://schemas.microsoft.com/office/drawing/2017/decorative" val="1"/>
-                </a:ext>
-              </a:extLst>
-            </p:cNvPr>
-            <p:cNvCxnSpPr>
-              <a:cxnSpLocks/>
-            </p:cNvCxnSpPr>
-            <p:nvPr>
-              <p:extLst>
-                <p:ext uri="{386F3935-93C4-4BCD-93E2-E3B085C9AB24}">
-                  <p16:designElem xmlns:p16="http://schemas.microsoft.com/office/powerpoint/2015/main" val="1"/>
-                </p:ext>
-              </p:extLst>
-            </p:nvPr>
-          </p:nvCxnSpPr>
-          <p:spPr>
-            <a:xfrm>
-              <a:off x="0" y="5600526"/>
-              <a:ext cx="12192000" cy="0"/>
-            </a:xfrm>
-            <a:prstGeom prst="line">
-              <a:avLst/>
-            </a:prstGeom>
-            <a:ln w="12700">
-              <a:solidFill>
-                <a:srgbClr val="BCBCBC">
-                  <a:alpha val="29804"/>
-                </a:srgbClr>
-              </a:solidFill>
-              <a:prstDash val="sysDot"/>
-            </a:ln>
-          </p:spPr>
-          <p:style>
-            <a:lnRef idx="1">
-              <a:schemeClr val="accent1"/>
-            </a:lnRef>
-            <a:fillRef idx="0">
-              <a:schemeClr val="accent1"/>
-            </a:fillRef>
-            <a:effectRef idx="0">
-              <a:schemeClr val="accent1"/>
-            </a:effectRef>
-            <a:fontRef idx="minor">
-              <a:schemeClr val="tx1"/>
-            </a:fontRef>
-          </p:style>
-        </p:cxnSp>
-        <p:cxnSp>
-          <p:nvCxnSpPr>
-            <p:cNvPr id="190" name="Straight Connector 189">
-              <a:extLst>
-                <a:ext uri="{FF2B5EF4-FFF2-40B4-BE49-F238E27FC236}">
-                  <a16:creationId xmlns:a16="http://schemas.microsoft.com/office/drawing/2014/main" id="{E3043474-8625-495C-BD06-3627FD286C55}"/>
-                </a:ext>
-                <a:ext uri="{C183D7F6-B498-43B3-948B-1728B52AA6E4}">
-                  <adec:decorative xmlns:adec="http://schemas.microsoft.com/office/drawing/2017/decorative" val="1"/>
-                </a:ext>
-              </a:extLst>
-            </p:cNvPr>
-            <p:cNvCxnSpPr>
-              <a:cxnSpLocks/>
-            </p:cNvCxnSpPr>
-            <p:nvPr>
-              <p:extLst>
-                <p:ext uri="{386F3935-93C4-4BCD-93E2-E3B085C9AB24}">
-                  <p16:designElem xmlns:p16="http://schemas.microsoft.com/office/powerpoint/2015/main" val="1"/>
-                </p:ext>
-              </p:extLst>
-            </p:nvPr>
-          </p:nvCxnSpPr>
-          <p:spPr>
-            <a:xfrm>
-              <a:off x="0" y="6857999"/>
-              <a:ext cx="12192000" cy="0"/>
-            </a:xfrm>
-            <a:prstGeom prst="line">
-              <a:avLst/>
-            </a:prstGeom>
-            <a:ln w="12700">
-              <a:solidFill>
-                <a:srgbClr val="BCBCBC">
-                  <a:alpha val="29804"/>
-                </a:srgbClr>
-              </a:solidFill>
-              <a:prstDash val="sysDot"/>
-            </a:ln>
-          </p:spPr>
-          <p:style>
-            <a:lnRef idx="1">
-              <a:schemeClr val="accent1"/>
-            </a:lnRef>
-            <a:fillRef idx="0">
-              <a:schemeClr val="accent1"/>
-            </a:fillRef>
-            <a:effectRef idx="0">
-              <a:schemeClr val="accent1"/>
-            </a:effectRef>
-            <a:fontRef idx="minor">
-              <a:schemeClr val="tx1"/>
-            </a:fontRef>
-          </p:style>
-        </p:cxnSp>
-        <p:cxnSp>
-          <p:nvCxnSpPr>
-            <p:cNvPr id="191" name="Straight Connector 190">
-              <a:extLst>
-                <a:ext uri="{FF2B5EF4-FFF2-40B4-BE49-F238E27FC236}">
-                  <a16:creationId xmlns:a16="http://schemas.microsoft.com/office/drawing/2014/main" id="{D432CE47-7631-408E-8DDC-79EE378B707B}"/>
-                </a:ext>
-                <a:ext uri="{C183D7F6-B498-43B3-948B-1728B52AA6E4}">
-                  <adec:decorative xmlns:adec="http://schemas.microsoft.com/office/drawing/2017/decorative" val="1"/>
-                </a:ext>
-              </a:extLst>
-            </p:cNvPr>
-            <p:cNvCxnSpPr>
-              <a:cxnSpLocks/>
-            </p:cNvCxnSpPr>
-            <p:nvPr>
-              <p:extLst>
-                <p:ext uri="{386F3935-93C4-4BCD-93E2-E3B085C9AB24}">
-                  <p16:designElem xmlns:p16="http://schemas.microsoft.com/office/powerpoint/2015/main" val="1"/>
-                </p:ext>
-              </p:extLst>
-            </p:nvPr>
-          </p:nvCxnSpPr>
-          <p:spPr>
-            <a:xfrm>
-              <a:off x="16613" y="6143407"/>
-              <a:ext cx="12192000" cy="0"/>
-            </a:xfrm>
-            <a:prstGeom prst="line">
-              <a:avLst/>
-            </a:prstGeom>
-            <a:ln w="12700">
-              <a:solidFill>
-                <a:srgbClr val="BCBCBC">
-                  <a:alpha val="29804"/>
-                </a:srgbClr>
-              </a:solidFill>
-              <a:prstDash val="sysDot"/>
-            </a:ln>
-          </p:spPr>
-          <p:style>
-            <a:lnRef idx="1">
-              <a:schemeClr val="accent1"/>
-            </a:lnRef>
-            <a:fillRef idx="0">
-              <a:schemeClr val="accent1"/>
-            </a:fillRef>
-            <a:effectRef idx="0">
-              <a:schemeClr val="accent1"/>
-            </a:effectRef>
-            <a:fontRef idx="minor">
-              <a:schemeClr val="tx1"/>
-            </a:fontRef>
-          </p:style>
-        </p:cxnSp>
-        <p:cxnSp>
-          <p:nvCxnSpPr>
-            <p:cNvPr id="192" name="Straight Connector 191">
-              <a:extLst>
-                <a:ext uri="{FF2B5EF4-FFF2-40B4-BE49-F238E27FC236}">
-                  <a16:creationId xmlns:a16="http://schemas.microsoft.com/office/drawing/2014/main" id="{B2C8832D-8B8D-4036-B913-2D363143274B}"/>
-                </a:ext>
-                <a:ext uri="{C183D7F6-B498-43B3-948B-1728B52AA6E4}">
-                  <adec:decorative xmlns:adec="http://schemas.microsoft.com/office/drawing/2017/decorative" val="1"/>
-                </a:ext>
-              </a:extLst>
-            </p:cNvPr>
-            <p:cNvCxnSpPr>
-              <a:cxnSpLocks/>
-            </p:cNvCxnSpPr>
-            <p:nvPr>
-              <p:extLst>
-                <p:ext uri="{386F3935-93C4-4BCD-93E2-E3B085C9AB24}">
-                  <p16:designElem xmlns:p16="http://schemas.microsoft.com/office/powerpoint/2015/main" val="1"/>
-                </p:ext>
-              </p:extLst>
-            </p:nvPr>
-          </p:nvCxnSpPr>
-          <p:spPr>
-            <a:xfrm>
-              <a:off x="684225" y="171716"/>
-              <a:ext cx="0" cy="6511464"/>
-            </a:xfrm>
-            <a:prstGeom prst="line">
-              <a:avLst/>
-            </a:prstGeom>
-            <a:ln w="12700">
-              <a:solidFill>
-                <a:srgbClr val="BCBCBC">
-                  <a:alpha val="29804"/>
-                </a:srgbClr>
-              </a:solidFill>
-              <a:prstDash val="sysDot"/>
-            </a:ln>
-          </p:spPr>
-          <p:style>
-            <a:lnRef idx="1">
-              <a:schemeClr val="accent1"/>
-            </a:lnRef>
-            <a:fillRef idx="0">
-              <a:schemeClr val="accent1"/>
-            </a:fillRef>
-            <a:effectRef idx="0">
-              <a:schemeClr val="accent1"/>
-            </a:effectRef>
-            <a:fontRef idx="minor">
-              <a:schemeClr val="tx1"/>
-            </a:fontRef>
-          </p:style>
-        </p:cxnSp>
-        <p:cxnSp>
-          <p:nvCxnSpPr>
-            <p:cNvPr id="193" name="Straight Connector 192">
-              <a:extLst>
-                <a:ext uri="{FF2B5EF4-FFF2-40B4-BE49-F238E27FC236}">
-                  <a16:creationId xmlns:a16="http://schemas.microsoft.com/office/drawing/2014/main" id="{1CCEFEAF-E87B-4FF2-A947-94CABAA0610D}"/>
-                </a:ext>
-                <a:ext uri="{C183D7F6-B498-43B3-948B-1728B52AA6E4}">
-                  <adec:decorative xmlns:adec="http://schemas.microsoft.com/office/drawing/2017/decorative" val="1"/>
-                </a:ext>
-              </a:extLst>
-            </p:cNvPr>
-            <p:cNvCxnSpPr>
-              <a:cxnSpLocks/>
-            </p:cNvCxnSpPr>
-            <p:nvPr>
-              <p:extLst>
-                <p:ext uri="{386F3935-93C4-4BCD-93E2-E3B085C9AB24}">
-                  <p16:designElem xmlns:p16="http://schemas.microsoft.com/office/powerpoint/2015/main" val="1"/>
-                </p:ext>
-              </p:extLst>
-            </p:nvPr>
-          </p:nvCxnSpPr>
-          <p:spPr>
-            <a:xfrm>
-              <a:off x="11508412" y="173267"/>
-              <a:ext cx="0" cy="6511464"/>
-            </a:xfrm>
-            <a:prstGeom prst="line">
-              <a:avLst/>
-            </a:prstGeom>
-            <a:ln w="12700">
-              <a:solidFill>
-                <a:srgbClr val="BCBCBC">
-                  <a:alpha val="29804"/>
-                </a:srgbClr>
-              </a:solidFill>
-              <a:prstDash val="sysDot"/>
-            </a:ln>
-          </p:spPr>
-          <p:style>
-            <a:lnRef idx="1">
-              <a:schemeClr val="accent1"/>
-            </a:lnRef>
-            <a:fillRef idx="0">
-              <a:schemeClr val="accent1"/>
-            </a:fillRef>
-            <a:effectRef idx="0">
-              <a:schemeClr val="accent1"/>
-            </a:effectRef>
-            <a:fontRef idx="minor">
-              <a:schemeClr val="tx1"/>
-            </a:fontRef>
-          </p:style>
-        </p:cxnSp>
-      </p:grpSp>
-      <p:sp>
-        <p:nvSpPr>
-          <p:cNvPr id="195" name="Right Triangle 194">
-            <a:extLst>
-              <a:ext uri="{FF2B5EF4-FFF2-40B4-BE49-F238E27FC236}">
-                <a16:creationId xmlns:a16="http://schemas.microsoft.com/office/drawing/2014/main" id="{2437C4A8-8E3A-4ADA-93B9-64737CE1ABB1}"/>
-              </a:ext>
-              <a:ext uri="{C183D7F6-B498-43B3-948B-1728B52AA6E4}">
-                <adec:decorative xmlns:adec="http://schemas.microsoft.com/office/drawing/2017/decorative" val="1"/>
-              </a:ext>
-            </a:extLst>
-          </p:cNvPr>
-          <p:cNvSpPr>
-            <a:spLocks noGrp="1" noRot="1" noChangeAspect="1" noMove="1" noResize="1" noEditPoints="1" noAdjustHandles="1" noChangeArrowheads="1" noChangeShapeType="1" noTextEdit="1"/>
-          </p:cNvSpPr>
-          <p:nvPr>
-            <p:extLst>
-              <p:ext uri="{386F3935-93C4-4BCD-93E2-E3B085C9AB24}">
-                <p16:designElem xmlns:p16="http://schemas.microsoft.com/office/powerpoint/2015/main" val="1"/>
-              </p:ext>
-            </p:extLst>
-          </p:nvPr>
-        </p:nvSpPr>
-        <p:spPr>
-          <a:xfrm rot="13500000">
-            <a:off x="-281093" y="2607907"/>
-            <a:ext cx="568289" cy="568289"/>
-          </a:xfrm>
-          <a:prstGeom prst="rtTriangle">
-            <a:avLst/>
-          </a:prstGeom>
-          <a:solidFill>
-            <a:schemeClr val="accent1">
-              <a:alpha val="50000"/>
-            </a:schemeClr>
-          </a:solidFill>
-          <a:ln>
-            <a:noFill/>
-          </a:ln>
-        </p:spPr>
-        <p:style>
-          <a:lnRef idx="2">
-            <a:schemeClr val="accent1">
-              <a:shade val="50000"/>
-            </a:schemeClr>
-          </a:lnRef>
-          <a:fillRef idx="1">
-            <a:schemeClr val="accent1"/>
-          </a:fillRef>
-          <a:effectRef idx="0">
-            <a:schemeClr val="accent1"/>
-          </a:effectRef>
-          <a:fontRef idx="minor">
-            <a:schemeClr val="lt1"/>
-          </a:fontRef>
-        </p:style>
-        <p:txBody>
-          <a:bodyPr rtlCol="0" anchor="ctr"/>
-          <a:lstStyle/>
-          <a:p>
-            <a:pPr algn="ctr"/>
-            <a:endParaRPr lang="en-US">
-              <a:solidFill>
-                <a:schemeClr val="tx1"/>
-              </a:solidFill>
-            </a:endParaRPr>
-          </a:p>
-        </p:txBody>
-      </p:sp>
-      <p:sp useBgFill="1">
-        <p:nvSpPr>
-          <p:cNvPr id="197" name="Rectangle 196">
-            <a:extLst>
-              <a:ext uri="{FF2B5EF4-FFF2-40B4-BE49-F238E27FC236}">
-                <a16:creationId xmlns:a16="http://schemas.microsoft.com/office/drawing/2014/main" id="{BA6285CA-6AFA-4F27-AFB5-1B32CDE09B1A}"/>
+                <a16:creationId xmlns:a16="http://schemas.microsoft.com/office/drawing/2014/main" id="{1C582B07-D0F0-4B6B-A5D9-D2F192CB3A4E}"/>
               </a:ext>
               <a:ext uri="{C183D7F6-B498-43B3-948B-1728B52AA6E4}">
                 <adec:decorative xmlns:adec="http://schemas.microsoft.com/office/drawing/2017/decorative" val="1"/>
@@ -17993,12 +16187,198 @@
           </a:p>
         </p:txBody>
       </p:sp>
+      <p:sp useBgFill="1">
+        <p:nvSpPr>
+          <p:cNvPr id="239" name="Freeform: Shape 238">
+            <a:extLst>
+              <a:ext uri="{FF2B5EF4-FFF2-40B4-BE49-F238E27FC236}">
+                <a16:creationId xmlns:a16="http://schemas.microsoft.com/office/drawing/2014/main" id="{E176DC30-5F54-423B-AF50-738BEABE7F68}"/>
+              </a:ext>
+              <a:ext uri="{C183D7F6-B498-43B3-948B-1728B52AA6E4}">
+                <adec:decorative xmlns:adec="http://schemas.microsoft.com/office/drawing/2017/decorative" val="1"/>
+              </a:ext>
+            </a:extLst>
+          </p:cNvPr>
+          <p:cNvSpPr>
+            <a:spLocks noGrp="1" noRot="1" noChangeAspect="1" noMove="1" noResize="1" noEditPoints="1" noAdjustHandles="1" noChangeArrowheads="1" noChangeShapeType="1" noTextEdit="1"/>
+          </p:cNvSpPr>
+          <p:nvPr>
+            <p:extLst>
+              <p:ext uri="{386F3935-93C4-4BCD-93E2-E3B085C9AB24}">
+                <p16:designElem xmlns:p16="http://schemas.microsoft.com/office/powerpoint/2015/main" val="1"/>
+              </p:ext>
+            </p:extLst>
+          </p:nvPr>
+        </p:nvSpPr>
+        <p:spPr>
+          <a:xfrm rot="5400000" flipV="1">
+            <a:off x="5490555" y="162759"/>
+            <a:ext cx="6857996" cy="6532473"/>
+          </a:xfrm>
+          <a:custGeom>
+            <a:avLst/>
+            <a:gdLst>
+              <a:gd name="connsiteX0" fmla="*/ 0 w 6857996"/>
+              <a:gd name="connsiteY0" fmla="*/ 2827344 h 6142577"/>
+              <a:gd name="connsiteX1" fmla="*/ 0 w 6857996"/>
+              <a:gd name="connsiteY1" fmla="*/ 5080510 h 6142577"/>
+              <a:gd name="connsiteX2" fmla="*/ 3 w 6857996"/>
+              <a:gd name="connsiteY2" fmla="*/ 5080510 h 6142577"/>
+              <a:gd name="connsiteX3" fmla="*/ 3 w 6857996"/>
+              <a:gd name="connsiteY3" fmla="*/ 6142577 h 6142577"/>
+              <a:gd name="connsiteX4" fmla="*/ 6857996 w 6857996"/>
+              <a:gd name="connsiteY4" fmla="*/ 6142577 h 6142577"/>
+              <a:gd name="connsiteX5" fmla="*/ 6857996 w 6857996"/>
+              <a:gd name="connsiteY5" fmla="*/ 3928749 h 6142577"/>
+              <a:gd name="connsiteX6" fmla="*/ 6857996 w 6857996"/>
+              <a:gd name="connsiteY6" fmla="*/ 2572597 h 6142577"/>
+              <a:gd name="connsiteX7" fmla="*/ 6857996 w 6857996"/>
+              <a:gd name="connsiteY7" fmla="*/ 307516 h 6142577"/>
+              <a:gd name="connsiteX8" fmla="*/ 6550769 w 6857996"/>
+              <a:gd name="connsiteY8" fmla="*/ 222609 h 6142577"/>
+              <a:gd name="connsiteX9" fmla="*/ 5031274 w 6857996"/>
+              <a:gd name="connsiteY9" fmla="*/ 33 h 6142577"/>
+              <a:gd name="connsiteX10" fmla="*/ 310659 w 6857996"/>
+              <a:gd name="connsiteY10" fmla="*/ 1067285 h 6142577"/>
+              <a:gd name="connsiteX11" fmla="*/ 2 w 6857996"/>
+              <a:gd name="connsiteY11" fmla="*/ 1072307 h 6142577"/>
+              <a:gd name="connsiteX12" fmla="*/ 2 w 6857996"/>
+              <a:gd name="connsiteY12" fmla="*/ 2827344 h 6142577"/>
+            </a:gdLst>
+            <a:ahLst/>
+            <a:cxnLst>
+              <a:cxn ang="0">
+                <a:pos x="connsiteX0" y="connsiteY0"/>
+              </a:cxn>
+              <a:cxn ang="0">
+                <a:pos x="connsiteX1" y="connsiteY1"/>
+              </a:cxn>
+              <a:cxn ang="0">
+                <a:pos x="connsiteX2" y="connsiteY2"/>
+              </a:cxn>
+              <a:cxn ang="0">
+                <a:pos x="connsiteX3" y="connsiteY3"/>
+              </a:cxn>
+              <a:cxn ang="0">
+                <a:pos x="connsiteX4" y="connsiteY4"/>
+              </a:cxn>
+              <a:cxn ang="0">
+                <a:pos x="connsiteX5" y="connsiteY5"/>
+              </a:cxn>
+              <a:cxn ang="0">
+                <a:pos x="connsiteX6" y="connsiteY6"/>
+              </a:cxn>
+              <a:cxn ang="0">
+                <a:pos x="connsiteX7" y="connsiteY7"/>
+              </a:cxn>
+              <a:cxn ang="0">
+                <a:pos x="connsiteX8" y="connsiteY8"/>
+              </a:cxn>
+              <a:cxn ang="0">
+                <a:pos x="connsiteX9" y="connsiteY9"/>
+              </a:cxn>
+              <a:cxn ang="0">
+                <a:pos x="connsiteX10" y="connsiteY10"/>
+              </a:cxn>
+              <a:cxn ang="0">
+                <a:pos x="connsiteX11" y="connsiteY11"/>
+              </a:cxn>
+              <a:cxn ang="0">
+                <a:pos x="connsiteX12" y="connsiteY12"/>
+              </a:cxn>
+            </a:cxnLst>
+            <a:rect l="l" t="t" r="r" b="b"/>
+            <a:pathLst>
+              <a:path w="6857996" h="6142577">
+                <a:moveTo>
+                  <a:pt x="0" y="2827344"/>
+                </a:moveTo>
+                <a:lnTo>
+                  <a:pt x="0" y="5080510"/>
+                </a:lnTo>
+                <a:lnTo>
+                  <a:pt x="3" y="5080510"/>
+                </a:lnTo>
+                <a:lnTo>
+                  <a:pt x="3" y="6142577"/>
+                </a:lnTo>
+                <a:lnTo>
+                  <a:pt x="6857996" y="6142577"/>
+                </a:lnTo>
+                <a:lnTo>
+                  <a:pt x="6857996" y="3928749"/>
+                </a:lnTo>
+                <a:lnTo>
+                  <a:pt x="6857996" y="2572597"/>
+                </a:lnTo>
+                <a:lnTo>
+                  <a:pt x="6857996" y="307516"/>
+                </a:lnTo>
+                <a:lnTo>
+                  <a:pt x="6550769" y="222609"/>
+                </a:lnTo>
+                <a:cubicBezTo>
+                  <a:pt x="5946238" y="65902"/>
+                  <a:pt x="5454822" y="1688"/>
+                  <a:pt x="5031274" y="33"/>
+                </a:cubicBezTo>
+                <a:cubicBezTo>
+                  <a:pt x="3337081" y="-6590"/>
+                  <a:pt x="2728780" y="987729"/>
+                  <a:pt x="310659" y="1067285"/>
+                </a:cubicBezTo>
+                <a:lnTo>
+                  <a:pt x="2" y="1072307"/>
+                </a:lnTo>
+                <a:lnTo>
+                  <a:pt x="2" y="2827344"/>
+                </a:lnTo>
+                <a:close/>
+              </a:path>
+            </a:pathLst>
+          </a:custGeom>
+          <a:solidFill>
+            <a:srgbClr val="BCBCBC">
+              <a:alpha val="30000"/>
+            </a:srgbClr>
+          </a:solidFill>
+          <a:ln>
+            <a:noFill/>
+          </a:ln>
+        </p:spPr>
+        <p:style>
+          <a:lnRef idx="2">
+            <a:schemeClr val="accent1">
+              <a:shade val="50000"/>
+            </a:schemeClr>
+          </a:lnRef>
+          <a:fillRef idx="1">
+            <a:schemeClr val="accent1"/>
+          </a:fillRef>
+          <a:effectRef idx="0">
+            <a:schemeClr val="accent1"/>
+          </a:effectRef>
+          <a:fontRef idx="minor">
+            <a:schemeClr val="lt1"/>
+          </a:fontRef>
+        </p:style>
+        <p:txBody>
+          <a:bodyPr wrap="square" rtlCol="0" anchor="ctr">
+            <a:noAutofit/>
+          </a:bodyPr>
+          <a:lstStyle/>
+          <a:p>
+            <a:pPr algn="ctr"/>
+            <a:endParaRPr lang="en-US"/>
+          </a:p>
+        </p:txBody>
+      </p:sp>
       <p:grpSp>
         <p:nvGrpSpPr>
-          <p:cNvPr id="199" name="Group 198">
+          <p:cNvPr id="241" name="Group 240">
             <a:extLst>
               <a:ext uri="{FF2B5EF4-FFF2-40B4-BE49-F238E27FC236}">
-                <a16:creationId xmlns:a16="http://schemas.microsoft.com/office/drawing/2014/main" id="{AFA1CF61-420C-4532-AB79-302C599BE6BC}"/>
+                <a16:creationId xmlns:a16="http://schemas.microsoft.com/office/drawing/2014/main" id="{4675998B-83F9-4DD6-A181-01CC6390EB15}"/>
               </a:ext>
               <a:ext uri="{C183D7F6-B498-43B3-948B-1728B52AA6E4}">
                 <adec:decorative xmlns:adec="http://schemas.microsoft.com/office/drawing/2017/decorative" val="1"/>
@@ -18026,10 +16406,10 @@
         </p:grpSpPr>
         <p:cxnSp>
           <p:nvCxnSpPr>
-            <p:cNvPr id="200" name="Straight Connector 199">
-              <a:extLst>
-                <a:ext uri="{FF2B5EF4-FFF2-40B4-BE49-F238E27FC236}">
-                  <a16:creationId xmlns:a16="http://schemas.microsoft.com/office/drawing/2014/main" id="{75E95075-3D4D-4C36-B349-8463E34B1417}"/>
+            <p:cNvPr id="242" name="Straight Connector 241">
+              <a:extLst>
+                <a:ext uri="{FF2B5EF4-FFF2-40B4-BE49-F238E27FC236}">
+                  <a16:creationId xmlns:a16="http://schemas.microsoft.com/office/drawing/2014/main" id="{7203DA02-DFF0-43DA-97F8-713359A5E931}"/>
                 </a:ext>
                 <a:ext uri="{C183D7F6-B498-43B3-948B-1728B52AA6E4}">
                   <adec:decorative xmlns:adec="http://schemas.microsoft.com/office/drawing/2017/decorative" val="1"/>
@@ -18081,10 +16461,10 @@
         </p:cxnSp>
         <p:cxnSp>
           <p:nvCxnSpPr>
-            <p:cNvPr id="201" name="Straight Connector 200">
-              <a:extLst>
-                <a:ext uri="{FF2B5EF4-FFF2-40B4-BE49-F238E27FC236}">
-                  <a16:creationId xmlns:a16="http://schemas.microsoft.com/office/drawing/2014/main" id="{7AA69CCA-D559-4A52-9516-11D3C602E8F8}"/>
+            <p:cNvPr id="243" name="Straight Connector 242">
+              <a:extLst>
+                <a:ext uri="{FF2B5EF4-FFF2-40B4-BE49-F238E27FC236}">
+                  <a16:creationId xmlns:a16="http://schemas.microsoft.com/office/drawing/2014/main" id="{D7DB5F66-3FA1-4342-A884-49FFC898B0D1}"/>
                 </a:ext>
                 <a:ext uri="{C183D7F6-B498-43B3-948B-1728B52AA6E4}">
                   <adec:decorative xmlns:adec="http://schemas.microsoft.com/office/drawing/2017/decorative" val="1"/>
@@ -18136,10 +16516,10 @@
         </p:cxnSp>
         <p:cxnSp>
           <p:nvCxnSpPr>
-            <p:cNvPr id="202" name="Straight Connector 201">
-              <a:extLst>
-                <a:ext uri="{FF2B5EF4-FFF2-40B4-BE49-F238E27FC236}">
-                  <a16:creationId xmlns:a16="http://schemas.microsoft.com/office/drawing/2014/main" id="{2D5E9902-1FF9-4AE4-8F60-19BAB3B57AAB}"/>
+            <p:cNvPr id="244" name="Straight Connector 243">
+              <a:extLst>
+                <a:ext uri="{FF2B5EF4-FFF2-40B4-BE49-F238E27FC236}">
+                  <a16:creationId xmlns:a16="http://schemas.microsoft.com/office/drawing/2014/main" id="{F62E1DE4-95C3-4648-880D-D5F16DA5BEBC}"/>
                 </a:ext>
                 <a:ext uri="{C183D7F6-B498-43B3-948B-1728B52AA6E4}">
                   <adec:decorative xmlns:adec="http://schemas.microsoft.com/office/drawing/2017/decorative" val="1"/>
@@ -18191,10 +16571,10 @@
         </p:cxnSp>
         <p:cxnSp>
           <p:nvCxnSpPr>
-            <p:cNvPr id="203" name="Straight Connector 202">
-              <a:extLst>
-                <a:ext uri="{FF2B5EF4-FFF2-40B4-BE49-F238E27FC236}">
-                  <a16:creationId xmlns:a16="http://schemas.microsoft.com/office/drawing/2014/main" id="{37D7628C-72C3-4AD8-A92B-DD7ED4CA8EB8}"/>
+            <p:cNvPr id="245" name="Straight Connector 244">
+              <a:extLst>
+                <a:ext uri="{FF2B5EF4-FFF2-40B4-BE49-F238E27FC236}">
+                  <a16:creationId xmlns:a16="http://schemas.microsoft.com/office/drawing/2014/main" id="{2F0DE976-09C7-468E-88D4-E653C3B9A93B}"/>
                 </a:ext>
                 <a:ext uri="{C183D7F6-B498-43B3-948B-1728B52AA6E4}">
                   <adec:decorative xmlns:adec="http://schemas.microsoft.com/office/drawing/2017/decorative" val="1"/>
@@ -18246,10 +16626,10 @@
         </p:cxnSp>
         <p:cxnSp>
           <p:nvCxnSpPr>
-            <p:cNvPr id="204" name="Straight Connector 203">
-              <a:extLst>
-                <a:ext uri="{FF2B5EF4-FFF2-40B4-BE49-F238E27FC236}">
-                  <a16:creationId xmlns:a16="http://schemas.microsoft.com/office/drawing/2014/main" id="{958E5AF5-D32E-4AF6-9994-2559533B8FE8}"/>
+            <p:cNvPr id="246" name="Straight Connector 245">
+              <a:extLst>
+                <a:ext uri="{FF2B5EF4-FFF2-40B4-BE49-F238E27FC236}">
+                  <a16:creationId xmlns:a16="http://schemas.microsoft.com/office/drawing/2014/main" id="{146834F4-CE01-4256-A71F-E9622367BA61}"/>
                 </a:ext>
                 <a:ext uri="{C183D7F6-B498-43B3-948B-1728B52AA6E4}">
                   <adec:decorative xmlns:adec="http://schemas.microsoft.com/office/drawing/2017/decorative" val="1"/>
@@ -18301,10 +16681,10 @@
         </p:cxnSp>
         <p:cxnSp>
           <p:nvCxnSpPr>
-            <p:cNvPr id="205" name="Straight Connector 204">
-              <a:extLst>
-                <a:ext uri="{FF2B5EF4-FFF2-40B4-BE49-F238E27FC236}">
-                  <a16:creationId xmlns:a16="http://schemas.microsoft.com/office/drawing/2014/main" id="{6C8FF6D9-584F-4A77-90F7-C648F7000FF6}"/>
+            <p:cNvPr id="247" name="Straight Connector 246">
+              <a:extLst>
+                <a:ext uri="{FF2B5EF4-FFF2-40B4-BE49-F238E27FC236}">
+                  <a16:creationId xmlns:a16="http://schemas.microsoft.com/office/drawing/2014/main" id="{B24B1666-CD3C-4141-91C0-782A8C0A79B5}"/>
                 </a:ext>
                 <a:ext uri="{C183D7F6-B498-43B3-948B-1728B52AA6E4}">
                   <adec:decorative xmlns:adec="http://schemas.microsoft.com/office/drawing/2017/decorative" val="1"/>
@@ -18356,10 +16736,10 @@
         </p:cxnSp>
         <p:cxnSp>
           <p:nvCxnSpPr>
-            <p:cNvPr id="206" name="Straight Connector 205">
-              <a:extLst>
-                <a:ext uri="{FF2B5EF4-FFF2-40B4-BE49-F238E27FC236}">
-                  <a16:creationId xmlns:a16="http://schemas.microsoft.com/office/drawing/2014/main" id="{1852F3FC-363A-40EB-8E2A-4025F3F8DAC4}"/>
+            <p:cNvPr id="248" name="Straight Connector 247">
+              <a:extLst>
+                <a:ext uri="{FF2B5EF4-FFF2-40B4-BE49-F238E27FC236}">
+                  <a16:creationId xmlns:a16="http://schemas.microsoft.com/office/drawing/2014/main" id="{8BEB9DED-5756-4349-86C4-BB40C843E902}"/>
                 </a:ext>
                 <a:ext uri="{C183D7F6-B498-43B3-948B-1728B52AA6E4}">
                   <adec:decorative xmlns:adec="http://schemas.microsoft.com/office/drawing/2017/decorative" val="1"/>
@@ -18411,10 +16791,10 @@
         </p:cxnSp>
         <p:cxnSp>
           <p:nvCxnSpPr>
-            <p:cNvPr id="207" name="Straight Connector 206">
-              <a:extLst>
-                <a:ext uri="{FF2B5EF4-FFF2-40B4-BE49-F238E27FC236}">
-                  <a16:creationId xmlns:a16="http://schemas.microsoft.com/office/drawing/2014/main" id="{A54E8DD1-E1C7-4704-A88D-8995EB014DC8}"/>
+            <p:cNvPr id="249" name="Straight Connector 248">
+              <a:extLst>
+                <a:ext uri="{FF2B5EF4-FFF2-40B4-BE49-F238E27FC236}">
+                  <a16:creationId xmlns:a16="http://schemas.microsoft.com/office/drawing/2014/main" id="{3E66CDAA-2393-4E50-88AE-4B6DE356DD86}"/>
                 </a:ext>
                 <a:ext uri="{C183D7F6-B498-43B3-948B-1728B52AA6E4}">
                   <adec:decorative xmlns:adec="http://schemas.microsoft.com/office/drawing/2017/decorative" val="1"/>
@@ -18466,10 +16846,10 @@
         </p:cxnSp>
         <p:cxnSp>
           <p:nvCxnSpPr>
-            <p:cNvPr id="208" name="Straight Connector 207">
-              <a:extLst>
-                <a:ext uri="{FF2B5EF4-FFF2-40B4-BE49-F238E27FC236}">
-                  <a16:creationId xmlns:a16="http://schemas.microsoft.com/office/drawing/2014/main" id="{F01BCA92-2D5C-4D69-86D6-EFBCFA5AFABD}"/>
+            <p:cNvPr id="250" name="Straight Connector 249">
+              <a:extLst>
+                <a:ext uri="{FF2B5EF4-FFF2-40B4-BE49-F238E27FC236}">
+                  <a16:creationId xmlns:a16="http://schemas.microsoft.com/office/drawing/2014/main" id="{D52ED3B2-4AF6-4D71-AFE0-E628195BEE39}"/>
                 </a:ext>
                 <a:ext uri="{C183D7F6-B498-43B3-948B-1728B52AA6E4}">
                   <adec:decorative xmlns:adec="http://schemas.microsoft.com/office/drawing/2017/decorative" val="1"/>
@@ -18521,10 +16901,10 @@
         </p:cxnSp>
         <p:cxnSp>
           <p:nvCxnSpPr>
-            <p:cNvPr id="209" name="Straight Connector 208">
-              <a:extLst>
-                <a:ext uri="{FF2B5EF4-FFF2-40B4-BE49-F238E27FC236}">
-                  <a16:creationId xmlns:a16="http://schemas.microsoft.com/office/drawing/2014/main" id="{794DB1B3-A5C7-426B-8F93-AD0641919478}"/>
+            <p:cNvPr id="251" name="Straight Connector 250">
+              <a:extLst>
+                <a:ext uri="{FF2B5EF4-FFF2-40B4-BE49-F238E27FC236}">
+                  <a16:creationId xmlns:a16="http://schemas.microsoft.com/office/drawing/2014/main" id="{38F8274F-6455-416D-9E21-09DCC607D31C}"/>
                 </a:ext>
                 <a:ext uri="{C183D7F6-B498-43B3-948B-1728B52AA6E4}">
                   <adec:decorative xmlns:adec="http://schemas.microsoft.com/office/drawing/2017/decorative" val="1"/>
@@ -18576,10 +16956,10 @@
         </p:cxnSp>
         <p:cxnSp>
           <p:nvCxnSpPr>
-            <p:cNvPr id="210" name="Straight Connector 209">
-              <a:extLst>
-                <a:ext uri="{FF2B5EF4-FFF2-40B4-BE49-F238E27FC236}">
-                  <a16:creationId xmlns:a16="http://schemas.microsoft.com/office/drawing/2014/main" id="{29E54F6B-CD79-42AD-970A-54E5CC1033B2}"/>
+            <p:cNvPr id="252" name="Straight Connector 251">
+              <a:extLst>
+                <a:ext uri="{FF2B5EF4-FFF2-40B4-BE49-F238E27FC236}">
+                  <a16:creationId xmlns:a16="http://schemas.microsoft.com/office/drawing/2014/main" id="{5A4FC2BA-35B4-4272-AE27-2EA963B9C6B6}"/>
                 </a:ext>
                 <a:ext uri="{C183D7F6-B498-43B3-948B-1728B52AA6E4}">
                   <adec:decorative xmlns:adec="http://schemas.microsoft.com/office/drawing/2017/decorative" val="1"/>
@@ -18631,10 +17011,10 @@
         </p:cxnSp>
         <p:cxnSp>
           <p:nvCxnSpPr>
-            <p:cNvPr id="211" name="Straight Connector 210">
-              <a:extLst>
-                <a:ext uri="{FF2B5EF4-FFF2-40B4-BE49-F238E27FC236}">
-                  <a16:creationId xmlns:a16="http://schemas.microsoft.com/office/drawing/2014/main" id="{6A5D2A90-54A9-444B-B500-CBA6071178FE}"/>
+            <p:cNvPr id="253" name="Straight Connector 252">
+              <a:extLst>
+                <a:ext uri="{FF2B5EF4-FFF2-40B4-BE49-F238E27FC236}">
+                  <a16:creationId xmlns:a16="http://schemas.microsoft.com/office/drawing/2014/main" id="{3075E2C7-38CF-4C4C-BA60-8EBC4C597233}"/>
                 </a:ext>
                 <a:ext uri="{C183D7F6-B498-43B3-948B-1728B52AA6E4}">
                   <adec:decorative xmlns:adec="http://schemas.microsoft.com/office/drawing/2017/decorative" val="1"/>
@@ -18686,10 +17066,10 @@
         </p:cxnSp>
         <p:cxnSp>
           <p:nvCxnSpPr>
-            <p:cNvPr id="212" name="Straight Connector 211">
-              <a:extLst>
-                <a:ext uri="{FF2B5EF4-FFF2-40B4-BE49-F238E27FC236}">
-                  <a16:creationId xmlns:a16="http://schemas.microsoft.com/office/drawing/2014/main" id="{5A6DC21E-41E4-4B99-9076-5CCC4F514321}"/>
+            <p:cNvPr id="254" name="Straight Connector 253">
+              <a:extLst>
+                <a:ext uri="{FF2B5EF4-FFF2-40B4-BE49-F238E27FC236}">
+                  <a16:creationId xmlns:a16="http://schemas.microsoft.com/office/drawing/2014/main" id="{3A41EEBD-A69D-4000-B18A-0FF9079FF456}"/>
                 </a:ext>
                 <a:ext uri="{C183D7F6-B498-43B3-948B-1728B52AA6E4}">
                   <adec:decorative xmlns:adec="http://schemas.microsoft.com/office/drawing/2017/decorative" val="1"/>
@@ -18741,10 +17121,10 @@
         </p:cxnSp>
         <p:cxnSp>
           <p:nvCxnSpPr>
-            <p:cNvPr id="213" name="Straight Connector 212">
-              <a:extLst>
-                <a:ext uri="{FF2B5EF4-FFF2-40B4-BE49-F238E27FC236}">
-                  <a16:creationId xmlns:a16="http://schemas.microsoft.com/office/drawing/2014/main" id="{1A9854EF-AC16-4B1C-B50E-98B0E26D7C9E}"/>
+            <p:cNvPr id="255" name="Straight Connector 254">
+              <a:extLst>
+                <a:ext uri="{FF2B5EF4-FFF2-40B4-BE49-F238E27FC236}">
+                  <a16:creationId xmlns:a16="http://schemas.microsoft.com/office/drawing/2014/main" id="{5D674DC2-DB19-4D12-A7CC-A19B45A577E4}"/>
                 </a:ext>
                 <a:ext uri="{C183D7F6-B498-43B3-948B-1728B52AA6E4}">
                   <adec:decorative xmlns:adec="http://schemas.microsoft.com/office/drawing/2017/decorative" val="1"/>
@@ -18796,10 +17176,10 @@
         </p:cxnSp>
         <p:cxnSp>
           <p:nvCxnSpPr>
-            <p:cNvPr id="214" name="Straight Connector 213">
-              <a:extLst>
-                <a:ext uri="{FF2B5EF4-FFF2-40B4-BE49-F238E27FC236}">
-                  <a16:creationId xmlns:a16="http://schemas.microsoft.com/office/drawing/2014/main" id="{47BEF2F5-C0EF-4D67-9680-4139FE785186}"/>
+            <p:cNvPr id="256" name="Straight Connector 255">
+              <a:extLst>
+                <a:ext uri="{FF2B5EF4-FFF2-40B4-BE49-F238E27FC236}">
+                  <a16:creationId xmlns:a16="http://schemas.microsoft.com/office/drawing/2014/main" id="{ACE37544-AEB0-4C32-9AB4-FD8868FBB4C4}"/>
                 </a:ext>
                 <a:ext uri="{C183D7F6-B498-43B3-948B-1728B52AA6E4}">
                   <adec:decorative xmlns:adec="http://schemas.microsoft.com/office/drawing/2017/decorative" val="1"/>
@@ -18851,10 +17231,10 @@
         </p:cxnSp>
         <p:cxnSp>
           <p:nvCxnSpPr>
-            <p:cNvPr id="215" name="Straight Connector 214">
-              <a:extLst>
-                <a:ext uri="{FF2B5EF4-FFF2-40B4-BE49-F238E27FC236}">
-                  <a16:creationId xmlns:a16="http://schemas.microsoft.com/office/drawing/2014/main" id="{1B32BA16-7339-4B52-A1A9-B8378122DB52}"/>
+            <p:cNvPr id="257" name="Straight Connector 256">
+              <a:extLst>
+                <a:ext uri="{FF2B5EF4-FFF2-40B4-BE49-F238E27FC236}">
+                  <a16:creationId xmlns:a16="http://schemas.microsoft.com/office/drawing/2014/main" id="{4A4D92EE-9609-4B42-A0C2-EE8B291A29CB}"/>
                 </a:ext>
                 <a:ext uri="{C183D7F6-B498-43B3-948B-1728B52AA6E4}">
                   <adec:decorative xmlns:adec="http://schemas.microsoft.com/office/drawing/2017/decorative" val="1"/>
@@ -18906,10 +17286,10 @@
         </p:cxnSp>
         <p:cxnSp>
           <p:nvCxnSpPr>
-            <p:cNvPr id="216" name="Straight Connector 215">
-              <a:extLst>
-                <a:ext uri="{FF2B5EF4-FFF2-40B4-BE49-F238E27FC236}">
-                  <a16:creationId xmlns:a16="http://schemas.microsoft.com/office/drawing/2014/main" id="{C0CD0CF0-7D07-402D-92F4-CD3303752E21}"/>
+            <p:cNvPr id="258" name="Straight Connector 257">
+              <a:extLst>
+                <a:ext uri="{FF2B5EF4-FFF2-40B4-BE49-F238E27FC236}">
+                  <a16:creationId xmlns:a16="http://schemas.microsoft.com/office/drawing/2014/main" id="{014BE4F6-D0F0-4D05-BADF-7BAB7388532A}"/>
                 </a:ext>
                 <a:ext uri="{C183D7F6-B498-43B3-948B-1728B52AA6E4}">
                   <adec:decorative xmlns:adec="http://schemas.microsoft.com/office/drawing/2017/decorative" val="1"/>
@@ -18961,10 +17341,10 @@
         </p:cxnSp>
         <p:cxnSp>
           <p:nvCxnSpPr>
-            <p:cNvPr id="217" name="Straight Connector 216">
-              <a:extLst>
-                <a:ext uri="{FF2B5EF4-FFF2-40B4-BE49-F238E27FC236}">
-                  <a16:creationId xmlns:a16="http://schemas.microsoft.com/office/drawing/2014/main" id="{3EAE1E42-DEF7-4CEC-A128-446262FEA9EF}"/>
+            <p:cNvPr id="259" name="Straight Connector 258">
+              <a:extLst>
+                <a:ext uri="{FF2B5EF4-FFF2-40B4-BE49-F238E27FC236}">
+                  <a16:creationId xmlns:a16="http://schemas.microsoft.com/office/drawing/2014/main" id="{82022A48-AB28-42C0-99AA-84E9E942A2FF}"/>
                 </a:ext>
                 <a:ext uri="{C183D7F6-B498-43B3-948B-1728B52AA6E4}">
                   <adec:decorative xmlns:adec="http://schemas.microsoft.com/office/drawing/2017/decorative" val="1"/>
@@ -19016,10 +17396,10 @@
         </p:cxnSp>
         <p:cxnSp>
           <p:nvCxnSpPr>
-            <p:cNvPr id="218" name="Straight Connector 217">
-              <a:extLst>
-                <a:ext uri="{FF2B5EF4-FFF2-40B4-BE49-F238E27FC236}">
-                  <a16:creationId xmlns:a16="http://schemas.microsoft.com/office/drawing/2014/main" id="{320023B0-94DB-4D3D-9A3B-8BF1EF98F477}"/>
+            <p:cNvPr id="260" name="Straight Connector 259">
+              <a:extLst>
+                <a:ext uri="{FF2B5EF4-FFF2-40B4-BE49-F238E27FC236}">
+                  <a16:creationId xmlns:a16="http://schemas.microsoft.com/office/drawing/2014/main" id="{1BE1212E-2DDC-41F9-817C-2B0AF529E010}"/>
                 </a:ext>
                 <a:ext uri="{C183D7F6-B498-43B3-948B-1728B52AA6E4}">
                   <adec:decorative xmlns:adec="http://schemas.microsoft.com/office/drawing/2017/decorative" val="1"/>
@@ -19071,10 +17451,10 @@
         </p:cxnSp>
         <p:cxnSp>
           <p:nvCxnSpPr>
-            <p:cNvPr id="219" name="Straight Connector 218">
-              <a:extLst>
-                <a:ext uri="{FF2B5EF4-FFF2-40B4-BE49-F238E27FC236}">
-                  <a16:creationId xmlns:a16="http://schemas.microsoft.com/office/drawing/2014/main" id="{1C612A5E-B0FA-49A2-B4C9-B2C0AFF1B9DE}"/>
+            <p:cNvPr id="261" name="Straight Connector 260">
+              <a:extLst>
+                <a:ext uri="{FF2B5EF4-FFF2-40B4-BE49-F238E27FC236}">
+                  <a16:creationId xmlns:a16="http://schemas.microsoft.com/office/drawing/2014/main" id="{2EAC07E3-6FB7-48B5-9418-5D58EC897AD1}"/>
                 </a:ext>
                 <a:ext uri="{C183D7F6-B498-43B3-948B-1728B52AA6E4}">
                   <adec:decorative xmlns:adec="http://schemas.microsoft.com/office/drawing/2017/decorative" val="1"/>
@@ -19126,10 +17506,10 @@
         </p:cxnSp>
         <p:cxnSp>
           <p:nvCxnSpPr>
-            <p:cNvPr id="220" name="Straight Connector 219">
-              <a:extLst>
-                <a:ext uri="{FF2B5EF4-FFF2-40B4-BE49-F238E27FC236}">
-                  <a16:creationId xmlns:a16="http://schemas.microsoft.com/office/drawing/2014/main" id="{323E4917-AA23-4811-9BF1-33947951E553}"/>
+            <p:cNvPr id="262" name="Straight Connector 261">
+              <a:extLst>
+                <a:ext uri="{FF2B5EF4-FFF2-40B4-BE49-F238E27FC236}">
+                  <a16:creationId xmlns:a16="http://schemas.microsoft.com/office/drawing/2014/main" id="{2C112200-C0E8-4E4F-B475-BB0C5619B180}"/>
                 </a:ext>
                 <a:ext uri="{C183D7F6-B498-43B3-948B-1728B52AA6E4}">
                   <adec:decorative xmlns:adec="http://schemas.microsoft.com/office/drawing/2017/decorative" val="1"/>
@@ -19181,10 +17561,10 @@
         </p:cxnSp>
         <p:cxnSp>
           <p:nvCxnSpPr>
-            <p:cNvPr id="221" name="Straight Connector 220">
-              <a:extLst>
-                <a:ext uri="{FF2B5EF4-FFF2-40B4-BE49-F238E27FC236}">
-                  <a16:creationId xmlns:a16="http://schemas.microsoft.com/office/drawing/2014/main" id="{F569CB75-A241-4E55-8A5F-B3479950D950}"/>
+            <p:cNvPr id="263" name="Straight Connector 262">
+              <a:extLst>
+                <a:ext uri="{FF2B5EF4-FFF2-40B4-BE49-F238E27FC236}">
+                  <a16:creationId xmlns:a16="http://schemas.microsoft.com/office/drawing/2014/main" id="{9BA45913-5C20-4A2E-9401-B69D433BAC0A}"/>
                 </a:ext>
                 <a:ext uri="{C183D7F6-B498-43B3-948B-1728B52AA6E4}">
                   <adec:decorative xmlns:adec="http://schemas.microsoft.com/office/drawing/2017/decorative" val="1"/>
@@ -19236,10 +17616,10 @@
         </p:cxnSp>
         <p:cxnSp>
           <p:nvCxnSpPr>
-            <p:cNvPr id="222" name="Straight Connector 221">
-              <a:extLst>
-                <a:ext uri="{FF2B5EF4-FFF2-40B4-BE49-F238E27FC236}">
-                  <a16:creationId xmlns:a16="http://schemas.microsoft.com/office/drawing/2014/main" id="{1CA5986E-7D1E-4603-8742-0971E0AFDEFB}"/>
+            <p:cNvPr id="264" name="Straight Connector 263">
+              <a:extLst>
+                <a:ext uri="{FF2B5EF4-FFF2-40B4-BE49-F238E27FC236}">
+                  <a16:creationId xmlns:a16="http://schemas.microsoft.com/office/drawing/2014/main" id="{253BFA98-23F1-401A-B615-F706954A49DE}"/>
                 </a:ext>
                 <a:ext uri="{C183D7F6-B498-43B3-948B-1728B52AA6E4}">
                   <adec:decorative xmlns:adec="http://schemas.microsoft.com/office/drawing/2017/decorative" val="1"/>
@@ -19291,10 +17671,10 @@
         </p:cxnSp>
         <p:cxnSp>
           <p:nvCxnSpPr>
-            <p:cNvPr id="223" name="Straight Connector 222">
-              <a:extLst>
-                <a:ext uri="{FF2B5EF4-FFF2-40B4-BE49-F238E27FC236}">
-                  <a16:creationId xmlns:a16="http://schemas.microsoft.com/office/drawing/2014/main" id="{1095CA31-C2CF-4244-9916-92041193A236}"/>
+            <p:cNvPr id="265" name="Straight Connector 264">
+              <a:extLst>
+                <a:ext uri="{FF2B5EF4-FFF2-40B4-BE49-F238E27FC236}">
+                  <a16:creationId xmlns:a16="http://schemas.microsoft.com/office/drawing/2014/main" id="{99EE95EF-D097-47D9-98DF-5BA037C4978F}"/>
                 </a:ext>
                 <a:ext uri="{C183D7F6-B498-43B3-948B-1728B52AA6E4}">
                   <adec:decorative xmlns:adec="http://schemas.microsoft.com/office/drawing/2017/decorative" val="1"/>
@@ -19346,10 +17726,10 @@
         </p:cxnSp>
         <p:cxnSp>
           <p:nvCxnSpPr>
-            <p:cNvPr id="224" name="Straight Connector 223">
-              <a:extLst>
-                <a:ext uri="{FF2B5EF4-FFF2-40B4-BE49-F238E27FC236}">
-                  <a16:creationId xmlns:a16="http://schemas.microsoft.com/office/drawing/2014/main" id="{ABB40398-1DA9-45EC-8989-3A1316590054}"/>
+            <p:cNvPr id="266" name="Straight Connector 265">
+              <a:extLst>
+                <a:ext uri="{FF2B5EF4-FFF2-40B4-BE49-F238E27FC236}">
+                  <a16:creationId xmlns:a16="http://schemas.microsoft.com/office/drawing/2014/main" id="{72E5EAA5-1BC5-4C85-85D9-F7BA73476C16}"/>
                 </a:ext>
                 <a:ext uri="{C183D7F6-B498-43B3-948B-1728B52AA6E4}">
                   <adec:decorative xmlns:adec="http://schemas.microsoft.com/office/drawing/2017/decorative" val="1"/>
@@ -19401,10 +17781,10 @@
         </p:cxnSp>
         <p:cxnSp>
           <p:nvCxnSpPr>
-            <p:cNvPr id="225" name="Straight Connector 224">
-              <a:extLst>
-                <a:ext uri="{FF2B5EF4-FFF2-40B4-BE49-F238E27FC236}">
-                  <a16:creationId xmlns:a16="http://schemas.microsoft.com/office/drawing/2014/main" id="{920DAABA-A8C4-49B5-AE3E-2FD84E3CCA7D}"/>
+            <p:cNvPr id="267" name="Straight Connector 266">
+              <a:extLst>
+                <a:ext uri="{FF2B5EF4-FFF2-40B4-BE49-F238E27FC236}">
+                  <a16:creationId xmlns:a16="http://schemas.microsoft.com/office/drawing/2014/main" id="{38F5AAC3-E106-4C3A-986B-23C44A9B1BB3}"/>
                 </a:ext>
                 <a:ext uri="{C183D7F6-B498-43B3-948B-1728B52AA6E4}">
                   <adec:decorative xmlns:adec="http://schemas.microsoft.com/office/drawing/2017/decorative" val="1"/>
@@ -19456,10 +17836,10 @@
         </p:cxnSp>
         <p:cxnSp>
           <p:nvCxnSpPr>
-            <p:cNvPr id="226" name="Straight Connector 225">
-              <a:extLst>
-                <a:ext uri="{FF2B5EF4-FFF2-40B4-BE49-F238E27FC236}">
-                  <a16:creationId xmlns:a16="http://schemas.microsoft.com/office/drawing/2014/main" id="{7088C809-EB74-40B6-9ED0-A1749689AD02}"/>
+            <p:cNvPr id="268" name="Straight Connector 267">
+              <a:extLst>
+                <a:ext uri="{FF2B5EF4-FFF2-40B4-BE49-F238E27FC236}">
+                  <a16:creationId xmlns:a16="http://schemas.microsoft.com/office/drawing/2014/main" id="{3EC6582A-5366-4B33-8D40-2B474D8B5783}"/>
                 </a:ext>
                 <a:ext uri="{C183D7F6-B498-43B3-948B-1728B52AA6E4}">
                   <adec:decorative xmlns:adec="http://schemas.microsoft.com/office/drawing/2017/decorative" val="1"/>
@@ -19511,10 +17891,10 @@
         </p:cxnSp>
         <p:cxnSp>
           <p:nvCxnSpPr>
-            <p:cNvPr id="227" name="Straight Connector 226">
-              <a:extLst>
-                <a:ext uri="{FF2B5EF4-FFF2-40B4-BE49-F238E27FC236}">
-                  <a16:creationId xmlns:a16="http://schemas.microsoft.com/office/drawing/2014/main" id="{9FD4E404-8EA3-4B4B-87A8-0B294F357D06}"/>
+            <p:cNvPr id="269" name="Straight Connector 268">
+              <a:extLst>
+                <a:ext uri="{FF2B5EF4-FFF2-40B4-BE49-F238E27FC236}">
+                  <a16:creationId xmlns:a16="http://schemas.microsoft.com/office/drawing/2014/main" id="{8A25249E-2F40-425D-A7F1-B7E55EF53C8D}"/>
                 </a:ext>
                 <a:ext uri="{C183D7F6-B498-43B3-948B-1728B52AA6E4}">
                   <adec:decorative xmlns:adec="http://schemas.microsoft.com/office/drawing/2017/decorative" val="1"/>
@@ -19566,10 +17946,10 @@
         </p:cxnSp>
         <p:cxnSp>
           <p:nvCxnSpPr>
-            <p:cNvPr id="228" name="Straight Connector 227">
-              <a:extLst>
-                <a:ext uri="{FF2B5EF4-FFF2-40B4-BE49-F238E27FC236}">
-                  <a16:creationId xmlns:a16="http://schemas.microsoft.com/office/drawing/2014/main" id="{7BD74D80-C4B2-42DE-99E7-2033E302696C}"/>
+            <p:cNvPr id="270" name="Straight Connector 269">
+              <a:extLst>
+                <a:ext uri="{FF2B5EF4-FFF2-40B4-BE49-F238E27FC236}">
+                  <a16:creationId xmlns:a16="http://schemas.microsoft.com/office/drawing/2014/main" id="{A13EC936-5CFC-4FE5-BCA8-59B3A2EFB63A}"/>
                 </a:ext>
                 <a:ext uri="{C183D7F6-B498-43B3-948B-1728B52AA6E4}">
                   <adec:decorative xmlns:adec="http://schemas.microsoft.com/office/drawing/2017/decorative" val="1"/>
@@ -19621,10 +18001,10 @@
         </p:cxnSp>
         <p:cxnSp>
           <p:nvCxnSpPr>
-            <p:cNvPr id="229" name="Straight Connector 228">
-              <a:extLst>
-                <a:ext uri="{FF2B5EF4-FFF2-40B4-BE49-F238E27FC236}">
-                  <a16:creationId xmlns:a16="http://schemas.microsoft.com/office/drawing/2014/main" id="{0EB3504F-A8F4-4FAC-9852-BB01C560A062}"/>
+            <p:cNvPr id="271" name="Straight Connector 270">
+              <a:extLst>
+                <a:ext uri="{FF2B5EF4-FFF2-40B4-BE49-F238E27FC236}">
+                  <a16:creationId xmlns:a16="http://schemas.microsoft.com/office/drawing/2014/main" id="{FCDE7F7A-C490-430C-876F-0349FC8BFB95}"/>
                 </a:ext>
                 <a:ext uri="{C183D7F6-B498-43B3-948B-1728B52AA6E4}">
                   <adec:decorative xmlns:adec="http://schemas.microsoft.com/office/drawing/2017/decorative" val="1"/>
@@ -19676,10 +18056,10 @@
         </p:cxnSp>
         <p:cxnSp>
           <p:nvCxnSpPr>
-            <p:cNvPr id="230" name="Straight Connector 229">
-              <a:extLst>
-                <a:ext uri="{FF2B5EF4-FFF2-40B4-BE49-F238E27FC236}">
-                  <a16:creationId xmlns:a16="http://schemas.microsoft.com/office/drawing/2014/main" id="{6BEDE7F2-99B6-4BE7-9679-DA7ADA8A7EEB}"/>
+            <p:cNvPr id="272" name="Straight Connector 271">
+              <a:extLst>
+                <a:ext uri="{FF2B5EF4-FFF2-40B4-BE49-F238E27FC236}">
+                  <a16:creationId xmlns:a16="http://schemas.microsoft.com/office/drawing/2014/main" id="{CD686B4E-119A-4F4A-9392-1F9CFE3BEE38}"/>
                 </a:ext>
                 <a:ext uri="{C183D7F6-B498-43B3-948B-1728B52AA6E4}">
                   <adec:decorative xmlns:adec="http://schemas.microsoft.com/office/drawing/2017/decorative" val="1"/>
@@ -19732,10 +18112,10 @@
       </p:grpSp>
       <p:sp>
         <p:nvSpPr>
-          <p:cNvPr id="232" name="Right Triangle 231">
+          <p:cNvPr id="274" name="Right Triangle 273">
             <a:extLst>
               <a:ext uri="{FF2B5EF4-FFF2-40B4-BE49-F238E27FC236}">
-                <a16:creationId xmlns:a16="http://schemas.microsoft.com/office/drawing/2014/main" id="{61BCD22A-FE26-4D9B-BDD1-74AB1C8CA996}"/>
+                <a16:creationId xmlns:a16="http://schemas.microsoft.com/office/drawing/2014/main" id="{F3730C34-30B8-42E4-824D-F095747C45E1}"/>
               </a:ext>
               <a:ext uri="{C183D7F6-B498-43B3-948B-1728B52AA6E4}">
                 <adec:decorative xmlns:adec="http://schemas.microsoft.com/office/drawing/2017/decorative" val="1"/>
@@ -19755,7 +18135,7 @@
         </p:nvSpPr>
         <p:spPr>
           <a:xfrm rot="13500000">
-            <a:off x="-281094" y="2626391"/>
+            <a:off x="-281095" y="2059091"/>
             <a:ext cx="568289" cy="568289"/>
           </a:xfrm>
           <a:prstGeom prst="rtTriangle">
@@ -19817,8 +18197,8 @@
         </p:nvSpPr>
         <p:spPr>
           <a:xfrm>
-            <a:off x="691078" y="722903"/>
-            <a:ext cx="4415255" cy="2460770"/>
+            <a:off x="691078" y="725951"/>
+            <a:ext cx="5398648" cy="1878413"/>
           </a:xfrm>
         </p:spPr>
         <p:txBody>
@@ -19885,8 +18265,8 @@
         </p:nvSpPr>
         <p:spPr>
           <a:xfrm>
-            <a:off x="691078" y="3428997"/>
-            <a:ext cx="4415255" cy="2733586"/>
+            <a:off x="691079" y="2883005"/>
+            <a:ext cx="4398756" cy="3260398"/>
           </a:xfrm>
           <a:prstGeom prst="rect">
             <a:avLst/>
@@ -19916,7 +18296,7 @@
             </a:lvl1pPr>
           </a:lstStyle>
           <a:p>
-            <a:pPr>
+            <a:pPr indent="-228600">
               <a:lnSpc>
                 <a:spcPct val="110000"/>
               </a:lnSpc>
@@ -19930,9 +18310,11 @@
                 </a:schemeClr>
               </a:buClr>
               <a:buSzPct val="75000"/>
+              <a:buFont typeface="Wingdings" panose="05000000000000000000" pitchFamily="2" charset="2"/>
+              <a:buChar char="§"/>
             </a:pPr>
             <a:r>
-              <a:rPr lang="en-US" sz="2400">
+              <a:rPr lang="en-US">
                 <a:latin typeface="+mn-lt"/>
                 <a:ea typeface="+mn-ea"/>
                 <a:cs typeface="+mn-cs"/>
@@ -19944,10 +18326,10 @@
       </p:sp>
       <p:pic>
         <p:nvPicPr>
-          <p:cNvPr id="11" name="Afbeelding 10" descr="Afbeelding met tekst, schermopname, nummer, ontvangst&#10;&#10;Automatisch gegenereerde beschrijving">
+          <p:cNvPr id="17" name="Afbeelding 16" descr="Afbeelding met tekst, schermopname, nummer&#10;&#10;Automatisch gegenereerde beschrijving">
             <a:extLst>
               <a:ext uri="{FF2B5EF4-FFF2-40B4-BE49-F238E27FC236}">
-                <a16:creationId xmlns:a16="http://schemas.microsoft.com/office/drawing/2014/main" id="{2B117289-39DB-17B9-5CEE-ED508A0B194E}"/>
+                <a16:creationId xmlns:a16="http://schemas.microsoft.com/office/drawing/2014/main" id="{2EF0C707-0B8E-C183-2229-016A7BCA52EA}"/>
               </a:ext>
             </a:extLst>
           </p:cNvPr>
@@ -19970,8 +18352,8 @@
         </p:blipFill>
         <p:spPr>
           <a:xfrm>
-            <a:off x="8687396" y="1230610"/>
-            <a:ext cx="2797952" cy="4406224"/>
+            <a:off x="8191796" y="721082"/>
+            <a:ext cx="2088673" cy="2635551"/>
           </a:xfrm>
           <a:prstGeom prst="rect">
             <a:avLst/>
@@ -19980,10 +18362,10 @@
       </p:pic>
       <p:pic>
         <p:nvPicPr>
-          <p:cNvPr id="9" name="Tijdelijke aanduiding voor inhoud 8" descr="Afbeelding met tekst, schermopname, Rechthoek, nummer&#10;&#10;Automatisch gegenereerde beschrijving">
+          <p:cNvPr id="15" name="Tijdelijke aanduiding voor inhoud 14" descr="Afbeelding met tekst, schermopname, diagram, nummer&#10;&#10;Automatisch gegenereerde beschrijving">
             <a:extLst>
               <a:ext uri="{FF2B5EF4-FFF2-40B4-BE49-F238E27FC236}">
-                <a16:creationId xmlns:a16="http://schemas.microsoft.com/office/drawing/2014/main" id="{E14E2F4B-3837-4BA2-528D-BF939E5293AC}"/>
+                <a16:creationId xmlns:a16="http://schemas.microsoft.com/office/drawing/2014/main" id="{98363776-9C50-93CA-DA0E-E166AB62AB4C}"/>
               </a:ext>
             </a:extLst>
           </p:cNvPr>
@@ -20008,8 +18390,8 @@
         </p:blipFill>
         <p:spPr>
           <a:xfrm>
-            <a:off x="5691631" y="2489413"/>
-            <a:ext cx="2797952" cy="1888617"/>
+            <a:off x="7110689" y="3507853"/>
+            <a:ext cx="4250889" cy="2635551"/>
           </a:xfrm>
           <a:prstGeom prst="rect">
             <a:avLst/>
@@ -20148,7 +18530,7 @@
       </p:grpSpPr>
       <p:sp useBgFill="1">
         <p:nvSpPr>
-          <p:cNvPr id="98" name="Rectangle 97">
+          <p:cNvPr id="138" name="Rectangle 137">
             <a:extLst>
               <a:ext uri="{FF2B5EF4-FFF2-40B4-BE49-F238E27FC236}">
                 <a16:creationId xmlns:a16="http://schemas.microsoft.com/office/drawing/2014/main" id="{1C582B07-D0F0-4B6B-A5D9-D2F192CB3A4E}"/>
@@ -20212,7 +18594,7 @@
       </p:sp>
       <p:grpSp>
         <p:nvGrpSpPr>
-          <p:cNvPr id="100" name="Group 99">
+          <p:cNvPr id="140" name="Group 139">
             <a:extLst>
               <a:ext uri="{FF2B5EF4-FFF2-40B4-BE49-F238E27FC236}">
                 <a16:creationId xmlns:a16="http://schemas.microsoft.com/office/drawing/2014/main" id="{614A5768-EA51-48A2-8E17-AE20B9FE0242}"/>
@@ -20243,7 +18625,7 @@
         </p:grpSpPr>
         <p:cxnSp>
           <p:nvCxnSpPr>
-            <p:cNvPr id="101" name="Straight Connector 100">
+            <p:cNvPr id="141" name="Straight Connector 140">
               <a:extLst>
                 <a:ext uri="{FF2B5EF4-FFF2-40B4-BE49-F238E27FC236}">
                   <a16:creationId xmlns:a16="http://schemas.microsoft.com/office/drawing/2014/main" id="{ED70F1A8-626B-430B-AACC-E280EB946BBC}"/>
@@ -20298,7 +18680,7 @@
         </p:cxnSp>
         <p:cxnSp>
           <p:nvCxnSpPr>
-            <p:cNvPr id="102" name="Straight Connector 101">
+            <p:cNvPr id="142" name="Straight Connector 141">
               <a:extLst>
                 <a:ext uri="{FF2B5EF4-FFF2-40B4-BE49-F238E27FC236}">
                   <a16:creationId xmlns:a16="http://schemas.microsoft.com/office/drawing/2014/main" id="{1D9D2887-DD9B-48D0-9844-B5D2024C7E53}"/>
@@ -20353,7 +18735,7 @@
         </p:cxnSp>
         <p:cxnSp>
           <p:nvCxnSpPr>
-            <p:cNvPr id="103" name="Straight Connector 102">
+            <p:cNvPr id="143" name="Straight Connector 142">
               <a:extLst>
                 <a:ext uri="{FF2B5EF4-FFF2-40B4-BE49-F238E27FC236}">
                   <a16:creationId xmlns:a16="http://schemas.microsoft.com/office/drawing/2014/main" id="{990C04EA-C56F-4932-AB66-F426CACB403C}"/>
@@ -20408,7 +18790,7 @@
         </p:cxnSp>
         <p:cxnSp>
           <p:nvCxnSpPr>
-            <p:cNvPr id="104" name="Straight Connector 103">
+            <p:cNvPr id="144" name="Straight Connector 143">
               <a:extLst>
                 <a:ext uri="{FF2B5EF4-FFF2-40B4-BE49-F238E27FC236}">
                   <a16:creationId xmlns:a16="http://schemas.microsoft.com/office/drawing/2014/main" id="{7CF894E2-AF43-4E3B-94A7-890F7AD25A26}"/>
@@ -20463,7 +18845,7 @@
         </p:cxnSp>
         <p:cxnSp>
           <p:nvCxnSpPr>
-            <p:cNvPr id="105" name="Straight Connector 104">
+            <p:cNvPr id="145" name="Straight Connector 144">
               <a:extLst>
                 <a:ext uri="{FF2B5EF4-FFF2-40B4-BE49-F238E27FC236}">
                   <a16:creationId xmlns:a16="http://schemas.microsoft.com/office/drawing/2014/main" id="{51C292B8-EA04-4F65-8D17-4954B29EEEDD}"/>
@@ -20518,7 +18900,7 @@
         </p:cxnSp>
         <p:cxnSp>
           <p:nvCxnSpPr>
-            <p:cNvPr id="106" name="Straight Connector 105">
+            <p:cNvPr id="146" name="Straight Connector 145">
               <a:extLst>
                 <a:ext uri="{FF2B5EF4-FFF2-40B4-BE49-F238E27FC236}">
                   <a16:creationId xmlns:a16="http://schemas.microsoft.com/office/drawing/2014/main" id="{0126744D-59AC-407B-977F-9F7B7989037E}"/>
@@ -20573,7 +18955,7 @@
         </p:cxnSp>
         <p:cxnSp>
           <p:nvCxnSpPr>
-            <p:cNvPr id="107" name="Straight Connector 106">
+            <p:cNvPr id="147" name="Straight Connector 146">
               <a:extLst>
                 <a:ext uri="{FF2B5EF4-FFF2-40B4-BE49-F238E27FC236}">
                   <a16:creationId xmlns:a16="http://schemas.microsoft.com/office/drawing/2014/main" id="{6BFD4FA3-B553-4776-83CC-43156375A0CB}"/>
@@ -20628,7 +19010,7 @@
         </p:cxnSp>
         <p:cxnSp>
           <p:nvCxnSpPr>
-            <p:cNvPr id="108" name="Straight Connector 107">
+            <p:cNvPr id="148" name="Straight Connector 147">
               <a:extLst>
                 <a:ext uri="{FF2B5EF4-FFF2-40B4-BE49-F238E27FC236}">
                   <a16:creationId xmlns:a16="http://schemas.microsoft.com/office/drawing/2014/main" id="{5145C5FE-691A-4620-9B50-AFE8DBB10EDD}"/>
@@ -20683,7 +19065,7 @@
         </p:cxnSp>
         <p:cxnSp>
           <p:nvCxnSpPr>
-            <p:cNvPr id="109" name="Straight Connector 108">
+            <p:cNvPr id="149" name="Straight Connector 148">
               <a:extLst>
                 <a:ext uri="{FF2B5EF4-FFF2-40B4-BE49-F238E27FC236}">
                   <a16:creationId xmlns:a16="http://schemas.microsoft.com/office/drawing/2014/main" id="{04E186B6-4496-412B-993D-EBA54ACED13D}"/>
@@ -20738,7 +19120,7 @@
         </p:cxnSp>
         <p:cxnSp>
           <p:nvCxnSpPr>
-            <p:cNvPr id="110" name="Straight Connector 109">
+            <p:cNvPr id="150" name="Straight Connector 149">
               <a:extLst>
                 <a:ext uri="{FF2B5EF4-FFF2-40B4-BE49-F238E27FC236}">
                   <a16:creationId xmlns:a16="http://schemas.microsoft.com/office/drawing/2014/main" id="{67CCFC45-B62F-4FB2-8A1C-24299AB6A8B9}"/>
@@ -20793,7 +19175,7 @@
         </p:cxnSp>
         <p:cxnSp>
           <p:nvCxnSpPr>
-            <p:cNvPr id="111" name="Straight Connector 110">
+            <p:cNvPr id="151" name="Straight Connector 150">
               <a:extLst>
                 <a:ext uri="{FF2B5EF4-FFF2-40B4-BE49-F238E27FC236}">
                   <a16:creationId xmlns:a16="http://schemas.microsoft.com/office/drawing/2014/main" id="{03E987B3-0DB8-4E10-8F2F-939C9975E915}"/>
@@ -20848,7 +19230,7 @@
         </p:cxnSp>
         <p:cxnSp>
           <p:nvCxnSpPr>
-            <p:cNvPr id="112" name="Straight Connector 111">
+            <p:cNvPr id="152" name="Straight Connector 151">
               <a:extLst>
                 <a:ext uri="{FF2B5EF4-FFF2-40B4-BE49-F238E27FC236}">
                   <a16:creationId xmlns:a16="http://schemas.microsoft.com/office/drawing/2014/main" id="{50CF3A0F-1366-43D4-B9ED-39506390F986}"/>
@@ -20903,7 +19285,7 @@
         </p:cxnSp>
         <p:cxnSp>
           <p:nvCxnSpPr>
-            <p:cNvPr id="113" name="Straight Connector 112">
+            <p:cNvPr id="153" name="Straight Connector 152">
               <a:extLst>
                 <a:ext uri="{FF2B5EF4-FFF2-40B4-BE49-F238E27FC236}">
                   <a16:creationId xmlns:a16="http://schemas.microsoft.com/office/drawing/2014/main" id="{A3370E57-5DAF-4AD1-A44A-32A93556E919}"/>
@@ -20958,7 +19340,7 @@
         </p:cxnSp>
         <p:cxnSp>
           <p:nvCxnSpPr>
-            <p:cNvPr id="114" name="Straight Connector 113">
+            <p:cNvPr id="154" name="Straight Connector 153">
               <a:extLst>
                 <a:ext uri="{FF2B5EF4-FFF2-40B4-BE49-F238E27FC236}">
                   <a16:creationId xmlns:a16="http://schemas.microsoft.com/office/drawing/2014/main" id="{5438A8C5-7279-4DA9-B1BA-5A76E020CE08}"/>
@@ -21013,7 +19395,7 @@
         </p:cxnSp>
         <p:cxnSp>
           <p:nvCxnSpPr>
-            <p:cNvPr id="115" name="Straight Connector 114">
+            <p:cNvPr id="155" name="Straight Connector 154">
               <a:extLst>
                 <a:ext uri="{FF2B5EF4-FFF2-40B4-BE49-F238E27FC236}">
                   <a16:creationId xmlns:a16="http://schemas.microsoft.com/office/drawing/2014/main" id="{4119694A-5560-4890-99CF-E4B89F5F160A}"/>
@@ -21068,7 +19450,7 @@
         </p:cxnSp>
         <p:cxnSp>
           <p:nvCxnSpPr>
-            <p:cNvPr id="116" name="Straight Connector 115">
+            <p:cNvPr id="156" name="Straight Connector 155">
               <a:extLst>
                 <a:ext uri="{FF2B5EF4-FFF2-40B4-BE49-F238E27FC236}">
                   <a16:creationId xmlns:a16="http://schemas.microsoft.com/office/drawing/2014/main" id="{3A41929D-D2D8-4211-8E30-449C7F67EA08}"/>
@@ -21123,7 +19505,7 @@
         </p:cxnSp>
         <p:cxnSp>
           <p:nvCxnSpPr>
-            <p:cNvPr id="117" name="Straight Connector 116">
+            <p:cNvPr id="157" name="Straight Connector 156">
               <a:extLst>
                 <a:ext uri="{FF2B5EF4-FFF2-40B4-BE49-F238E27FC236}">
                   <a16:creationId xmlns:a16="http://schemas.microsoft.com/office/drawing/2014/main" id="{6346B496-7BD4-408E-9387-4B2DBD88DBB3}"/>
@@ -21178,7 +19560,7 @@
         </p:cxnSp>
         <p:cxnSp>
           <p:nvCxnSpPr>
-            <p:cNvPr id="118" name="Straight Connector 117">
+            <p:cNvPr id="158" name="Straight Connector 157">
               <a:extLst>
                 <a:ext uri="{FF2B5EF4-FFF2-40B4-BE49-F238E27FC236}">
                   <a16:creationId xmlns:a16="http://schemas.microsoft.com/office/drawing/2014/main" id="{FF4954B0-8891-4B5C-B5C2-2B098DA9D63C}"/>
@@ -21233,7 +19615,7 @@
         </p:cxnSp>
         <p:cxnSp>
           <p:nvCxnSpPr>
-            <p:cNvPr id="119" name="Straight Connector 118">
+            <p:cNvPr id="159" name="Straight Connector 158">
               <a:extLst>
                 <a:ext uri="{FF2B5EF4-FFF2-40B4-BE49-F238E27FC236}">
                   <a16:creationId xmlns:a16="http://schemas.microsoft.com/office/drawing/2014/main" id="{FE2F714F-4C40-46D7-A9B0-5A41FCE1CC8B}"/>
@@ -21288,7 +19670,7 @@
         </p:cxnSp>
         <p:cxnSp>
           <p:nvCxnSpPr>
-            <p:cNvPr id="120" name="Straight Connector 119">
+            <p:cNvPr id="160" name="Straight Connector 159">
               <a:extLst>
                 <a:ext uri="{FF2B5EF4-FFF2-40B4-BE49-F238E27FC236}">
                   <a16:creationId xmlns:a16="http://schemas.microsoft.com/office/drawing/2014/main" id="{8B45C2AB-7F9E-4A2B-845D-39DA52F78594}"/>
@@ -21343,7 +19725,7 @@
         </p:cxnSp>
         <p:cxnSp>
           <p:nvCxnSpPr>
-            <p:cNvPr id="121" name="Straight Connector 120">
+            <p:cNvPr id="161" name="Straight Connector 160">
               <a:extLst>
                 <a:ext uri="{FF2B5EF4-FFF2-40B4-BE49-F238E27FC236}">
                   <a16:creationId xmlns:a16="http://schemas.microsoft.com/office/drawing/2014/main" id="{F7540879-E48F-44C9-8978-75F20ECA847C}"/>
@@ -21398,7 +19780,7 @@
         </p:cxnSp>
         <p:cxnSp>
           <p:nvCxnSpPr>
-            <p:cNvPr id="122" name="Straight Connector 121">
+            <p:cNvPr id="162" name="Straight Connector 161">
               <a:extLst>
                 <a:ext uri="{FF2B5EF4-FFF2-40B4-BE49-F238E27FC236}">
                   <a16:creationId xmlns:a16="http://schemas.microsoft.com/office/drawing/2014/main" id="{E99A807C-71D8-48EB-B90A-18ABEC581FE0}"/>
@@ -21453,7 +19835,7 @@
         </p:cxnSp>
         <p:cxnSp>
           <p:nvCxnSpPr>
-            <p:cNvPr id="123" name="Straight Connector 122">
+            <p:cNvPr id="163" name="Straight Connector 162">
               <a:extLst>
                 <a:ext uri="{FF2B5EF4-FFF2-40B4-BE49-F238E27FC236}">
                   <a16:creationId xmlns:a16="http://schemas.microsoft.com/office/drawing/2014/main" id="{77DBB3B2-0577-449E-822F-EC7F39931AB7}"/>
@@ -21508,7 +19890,7 @@
         </p:cxnSp>
         <p:cxnSp>
           <p:nvCxnSpPr>
-            <p:cNvPr id="124" name="Straight Connector 123">
+            <p:cNvPr id="164" name="Straight Connector 163">
               <a:extLst>
                 <a:ext uri="{FF2B5EF4-FFF2-40B4-BE49-F238E27FC236}">
                   <a16:creationId xmlns:a16="http://schemas.microsoft.com/office/drawing/2014/main" id="{1E9C75EC-55AD-4526-81DC-A716FD738111}"/>
@@ -21563,7 +19945,7 @@
         </p:cxnSp>
         <p:cxnSp>
           <p:nvCxnSpPr>
-            <p:cNvPr id="125" name="Straight Connector 124">
+            <p:cNvPr id="165" name="Straight Connector 164">
               <a:extLst>
                 <a:ext uri="{FF2B5EF4-FFF2-40B4-BE49-F238E27FC236}">
                   <a16:creationId xmlns:a16="http://schemas.microsoft.com/office/drawing/2014/main" id="{0EC495AC-53AC-46EB-AF18-9F9B72454104}"/>
@@ -21618,7 +20000,7 @@
         </p:cxnSp>
         <p:cxnSp>
           <p:nvCxnSpPr>
-            <p:cNvPr id="126" name="Straight Connector 125">
+            <p:cNvPr id="166" name="Straight Connector 165">
               <a:extLst>
                 <a:ext uri="{FF2B5EF4-FFF2-40B4-BE49-F238E27FC236}">
                   <a16:creationId xmlns:a16="http://schemas.microsoft.com/office/drawing/2014/main" id="{5476CB3D-FE8C-4CAF-B287-0576A80CCD13}"/>
@@ -21673,7 +20055,7 @@
         </p:cxnSp>
         <p:cxnSp>
           <p:nvCxnSpPr>
-            <p:cNvPr id="127" name="Straight Connector 126">
+            <p:cNvPr id="167" name="Straight Connector 166">
               <a:extLst>
                 <a:ext uri="{FF2B5EF4-FFF2-40B4-BE49-F238E27FC236}">
                   <a16:creationId xmlns:a16="http://schemas.microsoft.com/office/drawing/2014/main" id="{D34B38EE-AF53-4E0C-A55A-A17CC17EF742}"/>
@@ -21728,7 +20110,7 @@
         </p:cxnSp>
         <p:cxnSp>
           <p:nvCxnSpPr>
-            <p:cNvPr id="128" name="Straight Connector 127">
+            <p:cNvPr id="168" name="Straight Connector 167">
               <a:extLst>
                 <a:ext uri="{FF2B5EF4-FFF2-40B4-BE49-F238E27FC236}">
                   <a16:creationId xmlns:a16="http://schemas.microsoft.com/office/drawing/2014/main" id="{D7DE7212-9D6E-4F4E-A073-5B5B858AFFF9}"/>
@@ -21783,7 +20165,7 @@
         </p:cxnSp>
         <p:cxnSp>
           <p:nvCxnSpPr>
-            <p:cNvPr id="129" name="Straight Connector 128">
+            <p:cNvPr id="169" name="Straight Connector 168">
               <a:extLst>
                 <a:ext uri="{FF2B5EF4-FFF2-40B4-BE49-F238E27FC236}">
                   <a16:creationId xmlns:a16="http://schemas.microsoft.com/office/drawing/2014/main" id="{A7C6AD08-49F6-4369-9405-2E06CED9FEB7}"/>
@@ -21838,7 +20220,7 @@
         </p:cxnSp>
         <p:cxnSp>
           <p:nvCxnSpPr>
-            <p:cNvPr id="130" name="Straight Connector 129">
+            <p:cNvPr id="170" name="Straight Connector 169">
               <a:extLst>
                 <a:ext uri="{FF2B5EF4-FFF2-40B4-BE49-F238E27FC236}">
                   <a16:creationId xmlns:a16="http://schemas.microsoft.com/office/drawing/2014/main" id="{04E501EB-B771-494E-8AF3-5350560EBA02}"/>
@@ -21893,7 +20275,7 @@
         </p:cxnSp>
         <p:cxnSp>
           <p:nvCxnSpPr>
-            <p:cNvPr id="131" name="Straight Connector 130">
+            <p:cNvPr id="171" name="Straight Connector 170">
               <a:extLst>
                 <a:ext uri="{FF2B5EF4-FFF2-40B4-BE49-F238E27FC236}">
                   <a16:creationId xmlns:a16="http://schemas.microsoft.com/office/drawing/2014/main" id="{FEA122D9-8BE6-498E-AB20-311EBD5EF858}"/>
@@ -21949,7 +20331,7 @@
       </p:grpSp>
       <p:sp>
         <p:nvSpPr>
-          <p:cNvPr id="133" name="Right Triangle 132">
+          <p:cNvPr id="173" name="Right Triangle 172">
             <a:extLst>
               <a:ext uri="{FF2B5EF4-FFF2-40B4-BE49-F238E27FC236}">
                 <a16:creationId xmlns:a16="http://schemas.microsoft.com/office/drawing/2014/main" id="{5FB205E9-694A-469E-97E7-7339DE0BC2DC}"/>
@@ -22115,10 +20497,10 @@
       </p:sp>
       <p:pic>
         <p:nvPicPr>
-          <p:cNvPr id="7" name="Afbeelding 6" descr="Afbeelding met tekst, schermopname&#10;&#10;Automatisch gegenereerde beschrijving">
+          <p:cNvPr id="9" name="Afbeelding 8" descr="Afbeelding met tekst, schermopname, diagram, Rechthoek&#10;&#10;Automatisch gegenereerde beschrijving">
             <a:extLst>
               <a:ext uri="{FF2B5EF4-FFF2-40B4-BE49-F238E27FC236}">
-                <a16:creationId xmlns:a16="http://schemas.microsoft.com/office/drawing/2014/main" id="{235B0E20-4F78-263A-A48D-C282FF36131E}"/>
+                <a16:creationId xmlns:a16="http://schemas.microsoft.com/office/drawing/2014/main" id="{3ADBA20C-26D0-B2F9-4AC6-999147705FA2}"/>
               </a:ext>
             </a:extLst>
           </p:cNvPr>
@@ -22141,8 +20523,8 @@
         </p:blipFill>
         <p:spPr>
           <a:xfrm>
-            <a:off x="1176192" y="721081"/>
-            <a:ext cx="3441977" cy="5441861"/>
+            <a:off x="740844" y="721081"/>
+            <a:ext cx="4312673" cy="5441861"/>
           </a:xfrm>
           <a:prstGeom prst="rect">
             <a:avLst/>
@@ -22189,7 +20571,7 @@
       </p:grpSpPr>
       <p:sp useBgFill="1">
         <p:nvSpPr>
-          <p:cNvPr id="94" name="Rectangle 93">
+          <p:cNvPr id="136" name="Rectangle 135">
             <a:extLst>
               <a:ext uri="{FF2B5EF4-FFF2-40B4-BE49-F238E27FC236}">
                 <a16:creationId xmlns:a16="http://schemas.microsoft.com/office/drawing/2014/main" id="{1C582B07-D0F0-4B6B-A5D9-D2F192CB3A4E}"/>
@@ -22253,7 +20635,7 @@
       </p:sp>
       <p:sp useBgFill="1">
         <p:nvSpPr>
-          <p:cNvPr id="96" name="Freeform: Shape 95">
+          <p:cNvPr id="138" name="Freeform: Shape 137">
             <a:extLst>
               <a:ext uri="{FF2B5EF4-FFF2-40B4-BE49-F238E27FC236}">
                 <a16:creationId xmlns:a16="http://schemas.microsoft.com/office/drawing/2014/main" id="{CFDF70F4-97B6-40D8-B1FA-9580DBD23934}"/>
@@ -22439,7 +20821,7 @@
       </p:sp>
       <p:grpSp>
         <p:nvGrpSpPr>
-          <p:cNvPr id="98" name="Group 97">
+          <p:cNvPr id="140" name="Group 139">
             <a:extLst>
               <a:ext uri="{FF2B5EF4-FFF2-40B4-BE49-F238E27FC236}">
                 <a16:creationId xmlns:a16="http://schemas.microsoft.com/office/drawing/2014/main" id="{807F70BA-21EF-4B7D-ACFF-D02E136D44B5}"/>
@@ -22470,7 +20852,7 @@
         </p:grpSpPr>
         <p:cxnSp>
           <p:nvCxnSpPr>
-            <p:cNvPr id="99" name="Straight Connector 98">
+            <p:cNvPr id="141" name="Straight Connector 140">
               <a:extLst>
                 <a:ext uri="{FF2B5EF4-FFF2-40B4-BE49-F238E27FC236}">
                   <a16:creationId xmlns:a16="http://schemas.microsoft.com/office/drawing/2014/main" id="{7D487A9C-B45A-450B-B04B-02570D8F4194}"/>
@@ -22525,7 +20907,7 @@
         </p:cxnSp>
         <p:cxnSp>
           <p:nvCxnSpPr>
-            <p:cNvPr id="100" name="Straight Connector 99">
+            <p:cNvPr id="142" name="Straight Connector 141">
               <a:extLst>
                 <a:ext uri="{FF2B5EF4-FFF2-40B4-BE49-F238E27FC236}">
                   <a16:creationId xmlns:a16="http://schemas.microsoft.com/office/drawing/2014/main" id="{09C56948-B944-4EAA-A601-1C3F289A7CDF}"/>
@@ -22580,7 +20962,7 @@
         </p:cxnSp>
         <p:cxnSp>
           <p:nvCxnSpPr>
-            <p:cNvPr id="101" name="Straight Connector 100">
+            <p:cNvPr id="143" name="Straight Connector 142">
               <a:extLst>
                 <a:ext uri="{FF2B5EF4-FFF2-40B4-BE49-F238E27FC236}">
                   <a16:creationId xmlns:a16="http://schemas.microsoft.com/office/drawing/2014/main" id="{43EFFD07-1C36-4595-9832-727669712CFC}"/>
@@ -22635,7 +21017,7 @@
         </p:cxnSp>
         <p:cxnSp>
           <p:nvCxnSpPr>
-            <p:cNvPr id="102" name="Straight Connector 101">
+            <p:cNvPr id="144" name="Straight Connector 143">
               <a:extLst>
                 <a:ext uri="{FF2B5EF4-FFF2-40B4-BE49-F238E27FC236}">
                   <a16:creationId xmlns:a16="http://schemas.microsoft.com/office/drawing/2014/main" id="{FA5917E5-3154-42BC-8308-71C3D44DB41B}"/>
@@ -22690,7 +21072,7 @@
         </p:cxnSp>
         <p:cxnSp>
           <p:nvCxnSpPr>
-            <p:cNvPr id="103" name="Straight Connector 102">
+            <p:cNvPr id="145" name="Straight Connector 144">
               <a:extLst>
                 <a:ext uri="{FF2B5EF4-FFF2-40B4-BE49-F238E27FC236}">
                   <a16:creationId xmlns:a16="http://schemas.microsoft.com/office/drawing/2014/main" id="{4B05D64D-A9ED-421A-9ABE-761977A81535}"/>
@@ -22745,7 +21127,7 @@
         </p:cxnSp>
         <p:cxnSp>
           <p:nvCxnSpPr>
-            <p:cNvPr id="104" name="Straight Connector 103">
+            <p:cNvPr id="146" name="Straight Connector 145">
               <a:extLst>
                 <a:ext uri="{FF2B5EF4-FFF2-40B4-BE49-F238E27FC236}">
                   <a16:creationId xmlns:a16="http://schemas.microsoft.com/office/drawing/2014/main" id="{25E49393-F5BE-4823-92E3-7A624F7EAAE0}"/>
@@ -22800,7 +21182,7 @@
         </p:cxnSp>
         <p:cxnSp>
           <p:nvCxnSpPr>
-            <p:cNvPr id="105" name="Straight Connector 104">
+            <p:cNvPr id="147" name="Straight Connector 146">
               <a:extLst>
                 <a:ext uri="{FF2B5EF4-FFF2-40B4-BE49-F238E27FC236}">
                   <a16:creationId xmlns:a16="http://schemas.microsoft.com/office/drawing/2014/main" id="{46035503-21C0-4568-B46B-90BB750327C9}"/>
@@ -22855,7 +21237,7 @@
         </p:cxnSp>
         <p:cxnSp>
           <p:nvCxnSpPr>
-            <p:cNvPr id="106" name="Straight Connector 105">
+            <p:cNvPr id="148" name="Straight Connector 147">
               <a:extLst>
                 <a:ext uri="{FF2B5EF4-FFF2-40B4-BE49-F238E27FC236}">
                   <a16:creationId xmlns:a16="http://schemas.microsoft.com/office/drawing/2014/main" id="{F5CACA2B-D1AF-419E-BFBF-413F69DFDB81}"/>
@@ -22910,7 +21292,7 @@
         </p:cxnSp>
         <p:cxnSp>
           <p:nvCxnSpPr>
-            <p:cNvPr id="107" name="Straight Connector 106">
+            <p:cNvPr id="149" name="Straight Connector 148">
               <a:extLst>
                 <a:ext uri="{FF2B5EF4-FFF2-40B4-BE49-F238E27FC236}">
                   <a16:creationId xmlns:a16="http://schemas.microsoft.com/office/drawing/2014/main" id="{2284408D-F3CE-466F-A0C8-D27F2BCFC62F}"/>
@@ -22965,7 +21347,7 @@
         </p:cxnSp>
         <p:cxnSp>
           <p:nvCxnSpPr>
-            <p:cNvPr id="108" name="Straight Connector 107">
+            <p:cNvPr id="150" name="Straight Connector 149">
               <a:extLst>
                 <a:ext uri="{FF2B5EF4-FFF2-40B4-BE49-F238E27FC236}">
                   <a16:creationId xmlns:a16="http://schemas.microsoft.com/office/drawing/2014/main" id="{A2C5065B-1474-4D66-99DB-CFEF811C0FD0}"/>
@@ -23020,7 +21402,7 @@
         </p:cxnSp>
         <p:cxnSp>
           <p:nvCxnSpPr>
-            <p:cNvPr id="109" name="Straight Connector 108">
+            <p:cNvPr id="151" name="Straight Connector 150">
               <a:extLst>
                 <a:ext uri="{FF2B5EF4-FFF2-40B4-BE49-F238E27FC236}">
                   <a16:creationId xmlns:a16="http://schemas.microsoft.com/office/drawing/2014/main" id="{6C6F4B51-92DC-4003-A3E7-28710D57AB94}"/>
@@ -23075,7 +21457,7 @@
         </p:cxnSp>
         <p:cxnSp>
           <p:nvCxnSpPr>
-            <p:cNvPr id="110" name="Straight Connector 109">
+            <p:cNvPr id="152" name="Straight Connector 151">
               <a:extLst>
                 <a:ext uri="{FF2B5EF4-FFF2-40B4-BE49-F238E27FC236}">
                   <a16:creationId xmlns:a16="http://schemas.microsoft.com/office/drawing/2014/main" id="{0D5C13CE-E4FE-4F85-BC09-9C950ED7526E}"/>
@@ -23130,7 +21512,7 @@
         </p:cxnSp>
         <p:cxnSp>
           <p:nvCxnSpPr>
-            <p:cNvPr id="111" name="Straight Connector 110">
+            <p:cNvPr id="153" name="Straight Connector 152">
               <a:extLst>
                 <a:ext uri="{FF2B5EF4-FFF2-40B4-BE49-F238E27FC236}">
                   <a16:creationId xmlns:a16="http://schemas.microsoft.com/office/drawing/2014/main" id="{851C5D97-1CDA-475E-BAC6-EE58999872A1}"/>
@@ -23185,7 +21567,7 @@
         </p:cxnSp>
         <p:cxnSp>
           <p:nvCxnSpPr>
-            <p:cNvPr id="112" name="Straight Connector 111">
+            <p:cNvPr id="154" name="Straight Connector 153">
               <a:extLst>
                 <a:ext uri="{FF2B5EF4-FFF2-40B4-BE49-F238E27FC236}">
                   <a16:creationId xmlns:a16="http://schemas.microsoft.com/office/drawing/2014/main" id="{DB712EBA-54FF-45FE-9A4E-98C0C0EC23FC}"/>
@@ -23240,7 +21622,7 @@
         </p:cxnSp>
         <p:cxnSp>
           <p:nvCxnSpPr>
-            <p:cNvPr id="113" name="Straight Connector 112">
+            <p:cNvPr id="155" name="Straight Connector 154">
               <a:extLst>
                 <a:ext uri="{FF2B5EF4-FFF2-40B4-BE49-F238E27FC236}">
                   <a16:creationId xmlns:a16="http://schemas.microsoft.com/office/drawing/2014/main" id="{7E0AB49E-A89E-4B6C-AAAA-96E326D154AF}"/>
@@ -23295,7 +21677,7 @@
         </p:cxnSp>
         <p:cxnSp>
           <p:nvCxnSpPr>
-            <p:cNvPr id="114" name="Straight Connector 113">
+            <p:cNvPr id="156" name="Straight Connector 155">
               <a:extLst>
                 <a:ext uri="{FF2B5EF4-FFF2-40B4-BE49-F238E27FC236}">
                   <a16:creationId xmlns:a16="http://schemas.microsoft.com/office/drawing/2014/main" id="{1E63E817-E471-4A64-9EF6-FFB1FBB34815}"/>
@@ -23350,7 +21732,7 @@
         </p:cxnSp>
         <p:cxnSp>
           <p:nvCxnSpPr>
-            <p:cNvPr id="115" name="Straight Connector 114">
+            <p:cNvPr id="157" name="Straight Connector 156">
               <a:extLst>
                 <a:ext uri="{FF2B5EF4-FFF2-40B4-BE49-F238E27FC236}">
                   <a16:creationId xmlns:a16="http://schemas.microsoft.com/office/drawing/2014/main" id="{E4BB2927-CDAC-455A-8D26-8582DD13DDFC}"/>
@@ -23405,7 +21787,7 @@
         </p:cxnSp>
         <p:cxnSp>
           <p:nvCxnSpPr>
-            <p:cNvPr id="116" name="Straight Connector 115">
+            <p:cNvPr id="158" name="Straight Connector 157">
               <a:extLst>
                 <a:ext uri="{FF2B5EF4-FFF2-40B4-BE49-F238E27FC236}">
                   <a16:creationId xmlns:a16="http://schemas.microsoft.com/office/drawing/2014/main" id="{A8E42F79-594B-4397-8A30-281228EF9937}"/>
@@ -23460,7 +21842,7 @@
         </p:cxnSp>
         <p:cxnSp>
           <p:nvCxnSpPr>
-            <p:cNvPr id="117" name="Straight Connector 116">
+            <p:cNvPr id="159" name="Straight Connector 158">
               <a:extLst>
                 <a:ext uri="{FF2B5EF4-FFF2-40B4-BE49-F238E27FC236}">
                   <a16:creationId xmlns:a16="http://schemas.microsoft.com/office/drawing/2014/main" id="{6E578AA8-0A5F-4BAA-AAFC-8A1E07838B1B}"/>
@@ -23515,7 +21897,7 @@
         </p:cxnSp>
         <p:cxnSp>
           <p:nvCxnSpPr>
-            <p:cNvPr id="118" name="Straight Connector 117">
+            <p:cNvPr id="160" name="Straight Connector 159">
               <a:extLst>
                 <a:ext uri="{FF2B5EF4-FFF2-40B4-BE49-F238E27FC236}">
                   <a16:creationId xmlns:a16="http://schemas.microsoft.com/office/drawing/2014/main" id="{9BA6CB24-165E-4D82-A315-18FFF8ABC6C4}"/>
@@ -23570,7 +21952,7 @@
         </p:cxnSp>
         <p:cxnSp>
           <p:nvCxnSpPr>
-            <p:cNvPr id="119" name="Straight Connector 118">
+            <p:cNvPr id="161" name="Straight Connector 160">
               <a:extLst>
                 <a:ext uri="{FF2B5EF4-FFF2-40B4-BE49-F238E27FC236}">
                   <a16:creationId xmlns:a16="http://schemas.microsoft.com/office/drawing/2014/main" id="{6A7AFC89-7922-47E2-8920-9883AF13C2E7}"/>
@@ -23625,7 +22007,7 @@
         </p:cxnSp>
         <p:cxnSp>
           <p:nvCxnSpPr>
-            <p:cNvPr id="120" name="Straight Connector 119">
+            <p:cNvPr id="162" name="Straight Connector 161">
               <a:extLst>
                 <a:ext uri="{FF2B5EF4-FFF2-40B4-BE49-F238E27FC236}">
                   <a16:creationId xmlns:a16="http://schemas.microsoft.com/office/drawing/2014/main" id="{82D63DEE-348A-4118-952F-DCD6FC1B6D24}"/>
@@ -23680,7 +22062,7 @@
         </p:cxnSp>
         <p:cxnSp>
           <p:nvCxnSpPr>
-            <p:cNvPr id="121" name="Straight Connector 120">
+            <p:cNvPr id="163" name="Straight Connector 162">
               <a:extLst>
                 <a:ext uri="{FF2B5EF4-FFF2-40B4-BE49-F238E27FC236}">
                   <a16:creationId xmlns:a16="http://schemas.microsoft.com/office/drawing/2014/main" id="{47A17409-8146-400D-A3C1-1E93FE2056DB}"/>
@@ -23735,7 +22117,7 @@
         </p:cxnSp>
         <p:cxnSp>
           <p:nvCxnSpPr>
-            <p:cNvPr id="122" name="Straight Connector 121">
+            <p:cNvPr id="164" name="Straight Connector 163">
               <a:extLst>
                 <a:ext uri="{FF2B5EF4-FFF2-40B4-BE49-F238E27FC236}">
                   <a16:creationId xmlns:a16="http://schemas.microsoft.com/office/drawing/2014/main" id="{621B7B93-01A0-4FDD-A6E1-572957781822}"/>
@@ -23790,7 +22172,7 @@
         </p:cxnSp>
         <p:cxnSp>
           <p:nvCxnSpPr>
-            <p:cNvPr id="123" name="Straight Connector 122">
+            <p:cNvPr id="165" name="Straight Connector 164">
               <a:extLst>
                 <a:ext uri="{FF2B5EF4-FFF2-40B4-BE49-F238E27FC236}">
                   <a16:creationId xmlns:a16="http://schemas.microsoft.com/office/drawing/2014/main" id="{6D3948D1-38CD-41AC-BBE8-291A85A7035B}"/>
@@ -23845,7 +22227,7 @@
         </p:cxnSp>
         <p:cxnSp>
           <p:nvCxnSpPr>
-            <p:cNvPr id="124" name="Straight Connector 123">
+            <p:cNvPr id="166" name="Straight Connector 165">
               <a:extLst>
                 <a:ext uri="{FF2B5EF4-FFF2-40B4-BE49-F238E27FC236}">
                   <a16:creationId xmlns:a16="http://schemas.microsoft.com/office/drawing/2014/main" id="{A633F3FE-70B6-41BD-A2D7-F9A53AB38EB5}"/>
@@ -23900,7 +22282,7 @@
         </p:cxnSp>
         <p:cxnSp>
           <p:nvCxnSpPr>
-            <p:cNvPr id="125" name="Straight Connector 124">
+            <p:cNvPr id="167" name="Straight Connector 166">
               <a:extLst>
                 <a:ext uri="{FF2B5EF4-FFF2-40B4-BE49-F238E27FC236}">
                   <a16:creationId xmlns:a16="http://schemas.microsoft.com/office/drawing/2014/main" id="{09D1DD0D-9D4A-41EA-9650-F8215D949B7D}"/>
@@ -23955,7 +22337,7 @@
         </p:cxnSp>
         <p:cxnSp>
           <p:nvCxnSpPr>
-            <p:cNvPr id="126" name="Straight Connector 125">
+            <p:cNvPr id="168" name="Straight Connector 167">
               <a:extLst>
                 <a:ext uri="{FF2B5EF4-FFF2-40B4-BE49-F238E27FC236}">
                   <a16:creationId xmlns:a16="http://schemas.microsoft.com/office/drawing/2014/main" id="{8148EE7C-8DC4-4A31-A981-8F838EA8FA0D}"/>
@@ -24010,7 +22392,7 @@
         </p:cxnSp>
         <p:cxnSp>
           <p:nvCxnSpPr>
-            <p:cNvPr id="127" name="Straight Connector 126">
+            <p:cNvPr id="169" name="Straight Connector 168">
               <a:extLst>
                 <a:ext uri="{FF2B5EF4-FFF2-40B4-BE49-F238E27FC236}">
                   <a16:creationId xmlns:a16="http://schemas.microsoft.com/office/drawing/2014/main" id="{F7F7EC5C-3015-4A5E-A9E3-B53F5293D2FA}"/>
@@ -24065,7 +22447,7 @@
         </p:cxnSp>
         <p:cxnSp>
           <p:nvCxnSpPr>
-            <p:cNvPr id="128" name="Straight Connector 127">
+            <p:cNvPr id="170" name="Straight Connector 169">
               <a:extLst>
                 <a:ext uri="{FF2B5EF4-FFF2-40B4-BE49-F238E27FC236}">
                   <a16:creationId xmlns:a16="http://schemas.microsoft.com/office/drawing/2014/main" id="{FD7AF31F-4674-411A-837A-ED991478D266}"/>
@@ -24120,7 +22502,7 @@
         </p:cxnSp>
         <p:cxnSp>
           <p:nvCxnSpPr>
-            <p:cNvPr id="129" name="Straight Connector 128">
+            <p:cNvPr id="171" name="Straight Connector 170">
               <a:extLst>
                 <a:ext uri="{FF2B5EF4-FFF2-40B4-BE49-F238E27FC236}">
                   <a16:creationId xmlns:a16="http://schemas.microsoft.com/office/drawing/2014/main" id="{5D3DAED2-414E-42E1-998A-6D7EF4A4D063}"/>
@@ -24176,7 +22558,7 @@
       </p:grpSp>
       <p:sp>
         <p:nvSpPr>
-          <p:cNvPr id="131" name="Right Triangle 130">
+          <p:cNvPr id="173" name="Right Triangle 172">
             <a:extLst>
               <a:ext uri="{FF2B5EF4-FFF2-40B4-BE49-F238E27FC236}">
                 <a16:creationId xmlns:a16="http://schemas.microsoft.com/office/drawing/2014/main" id="{9E92C66B-792F-479F-B983-F47FEE1AB562}"/>
@@ -24414,10 +22796,10 @@
       </p:sp>
       <p:pic>
         <p:nvPicPr>
-          <p:cNvPr id="6" name="Afbeelding 5" descr="Afbeelding met tekst, schermopname, ontwerp&#10;&#10;Automatisch gegenereerde beschrijving">
+          <p:cNvPr id="8" name="Afbeelding 7" descr="Afbeelding met tekst, schermopname, ontwerp&#10;&#10;Automatisch gegenereerde beschrijving">
             <a:extLst>
               <a:ext uri="{FF2B5EF4-FFF2-40B4-BE49-F238E27FC236}">
-                <a16:creationId xmlns:a16="http://schemas.microsoft.com/office/drawing/2014/main" id="{07195370-71F3-1B22-DBED-22502A307583}"/>
+                <a16:creationId xmlns:a16="http://schemas.microsoft.com/office/drawing/2014/main" id="{70719A48-1435-22CB-F1E5-527C28BD3F3E}"/>
               </a:ext>
             </a:extLst>
           </p:cNvPr>
@@ -24440,8 +22822,8 @@
         </p:blipFill>
         <p:spPr>
           <a:xfrm>
-            <a:off x="7573112" y="721082"/>
-            <a:ext cx="3429618" cy="5422322"/>
+            <a:off x="7132549" y="721082"/>
+            <a:ext cx="4310745" cy="5422322"/>
           </a:xfrm>
           <a:prstGeom prst="rect">
             <a:avLst/>
@@ -24488,7 +22870,7 @@
       </p:grpSpPr>
       <p:sp useBgFill="1">
         <p:nvSpPr>
-          <p:cNvPr id="242" name="Rectangle 241">
+          <p:cNvPr id="326" name="Rectangle 325">
             <a:extLst>
               <a:ext uri="{FF2B5EF4-FFF2-40B4-BE49-F238E27FC236}">
                 <a16:creationId xmlns:a16="http://schemas.microsoft.com/office/drawing/2014/main" id="{1C582B07-D0F0-4B6B-A5D9-D2F192CB3A4E}"/>
@@ -24552,10 +22934,10 @@
       </p:sp>
       <p:grpSp>
         <p:nvGrpSpPr>
-          <p:cNvPr id="244" name="Group 243">
+          <p:cNvPr id="328" name="Group 327">
             <a:extLst>
               <a:ext uri="{FF2B5EF4-FFF2-40B4-BE49-F238E27FC236}">
-                <a16:creationId xmlns:a16="http://schemas.microsoft.com/office/drawing/2014/main" id="{5591A4A5-C00F-4B45-9735-FD2841BF348B}"/>
+                <a16:creationId xmlns:a16="http://schemas.microsoft.com/office/drawing/2014/main" id="{4D431671-5191-4947-8899-E90505A70426}"/>
               </a:ext>
               <a:ext uri="{C183D7F6-B498-43B3-948B-1728B52AA6E4}">
                 <adec:decorative xmlns:adec="http://schemas.microsoft.com/office/drawing/2017/decorative" val="1"/>
@@ -24583,10 +22965,10 @@
         </p:grpSpPr>
         <p:cxnSp>
           <p:nvCxnSpPr>
-            <p:cNvPr id="245" name="Straight Connector 244">
-              <a:extLst>
-                <a:ext uri="{FF2B5EF4-FFF2-40B4-BE49-F238E27FC236}">
-                  <a16:creationId xmlns:a16="http://schemas.microsoft.com/office/drawing/2014/main" id="{7A16FDB6-C8B8-4BB9-B5F6-C9E7D1549AD5}"/>
+            <p:cNvPr id="329" name="Straight Connector 328">
+              <a:extLst>
+                <a:ext uri="{FF2B5EF4-FFF2-40B4-BE49-F238E27FC236}">
+                  <a16:creationId xmlns:a16="http://schemas.microsoft.com/office/drawing/2014/main" id="{877D2E98-ED65-4121-9DA5-6DBB831D0FB2}"/>
                 </a:ext>
                 <a:ext uri="{C183D7F6-B498-43B3-948B-1728B52AA6E4}">
                   <adec:decorative xmlns:adec="http://schemas.microsoft.com/office/drawing/2017/decorative" val="1"/>
@@ -24638,10 +23020,10 @@
         </p:cxnSp>
         <p:cxnSp>
           <p:nvCxnSpPr>
-            <p:cNvPr id="246" name="Straight Connector 245">
-              <a:extLst>
-                <a:ext uri="{FF2B5EF4-FFF2-40B4-BE49-F238E27FC236}">
-                  <a16:creationId xmlns:a16="http://schemas.microsoft.com/office/drawing/2014/main" id="{D65D67BC-2831-45D1-804D-2B848B7FF616}"/>
+            <p:cNvPr id="330" name="Straight Connector 329">
+              <a:extLst>
+                <a:ext uri="{FF2B5EF4-FFF2-40B4-BE49-F238E27FC236}">
+                  <a16:creationId xmlns:a16="http://schemas.microsoft.com/office/drawing/2014/main" id="{DA94A307-5B5D-4E42-95B3-064D5093ADE5}"/>
                 </a:ext>
                 <a:ext uri="{C183D7F6-B498-43B3-948B-1728B52AA6E4}">
                   <adec:decorative xmlns:adec="http://schemas.microsoft.com/office/drawing/2017/decorative" val="1"/>
@@ -24693,10 +23075,10 @@
         </p:cxnSp>
         <p:cxnSp>
           <p:nvCxnSpPr>
-            <p:cNvPr id="247" name="Straight Connector 246">
-              <a:extLst>
-                <a:ext uri="{FF2B5EF4-FFF2-40B4-BE49-F238E27FC236}">
-                  <a16:creationId xmlns:a16="http://schemas.microsoft.com/office/drawing/2014/main" id="{B3254059-39EC-48CC-B948-9EE6B0551757}"/>
+            <p:cNvPr id="331" name="Straight Connector 330">
+              <a:extLst>
+                <a:ext uri="{FF2B5EF4-FFF2-40B4-BE49-F238E27FC236}">
+                  <a16:creationId xmlns:a16="http://schemas.microsoft.com/office/drawing/2014/main" id="{8CB3B32C-3BDA-4D41-9802-681B0599FD3C}"/>
                 </a:ext>
                 <a:ext uri="{C183D7F6-B498-43B3-948B-1728B52AA6E4}">
                   <adec:decorative xmlns:adec="http://schemas.microsoft.com/office/drawing/2017/decorative" val="1"/>
@@ -24748,10 +23130,10 @@
         </p:cxnSp>
         <p:cxnSp>
           <p:nvCxnSpPr>
-            <p:cNvPr id="248" name="Straight Connector 247">
-              <a:extLst>
-                <a:ext uri="{FF2B5EF4-FFF2-40B4-BE49-F238E27FC236}">
-                  <a16:creationId xmlns:a16="http://schemas.microsoft.com/office/drawing/2014/main" id="{AF3E0572-7D5E-4FAA-B67C-23A9C6D71552}"/>
+            <p:cNvPr id="332" name="Straight Connector 331">
+              <a:extLst>
+                <a:ext uri="{FF2B5EF4-FFF2-40B4-BE49-F238E27FC236}">
+                  <a16:creationId xmlns:a16="http://schemas.microsoft.com/office/drawing/2014/main" id="{35BDBFD6-7C61-4520-8203-BAB1986C158C}"/>
                 </a:ext>
                 <a:ext uri="{C183D7F6-B498-43B3-948B-1728B52AA6E4}">
                   <adec:decorative xmlns:adec="http://schemas.microsoft.com/office/drawing/2017/decorative" val="1"/>
@@ -24803,10 +23185,10 @@
         </p:cxnSp>
         <p:cxnSp>
           <p:nvCxnSpPr>
-            <p:cNvPr id="249" name="Straight Connector 248">
-              <a:extLst>
-                <a:ext uri="{FF2B5EF4-FFF2-40B4-BE49-F238E27FC236}">
-                  <a16:creationId xmlns:a16="http://schemas.microsoft.com/office/drawing/2014/main" id="{2C5F1231-CF22-4258-B764-592B6CB8DC08}"/>
+            <p:cNvPr id="333" name="Straight Connector 332">
+              <a:extLst>
+                <a:ext uri="{FF2B5EF4-FFF2-40B4-BE49-F238E27FC236}">
+                  <a16:creationId xmlns:a16="http://schemas.microsoft.com/office/drawing/2014/main" id="{D4ABA4D7-9904-42C4-B0CD-B1CE2E0D3734}"/>
                 </a:ext>
                 <a:ext uri="{C183D7F6-B498-43B3-948B-1728B52AA6E4}">
                   <adec:decorative xmlns:adec="http://schemas.microsoft.com/office/drawing/2017/decorative" val="1"/>
@@ -24858,10 +23240,10 @@
         </p:cxnSp>
         <p:cxnSp>
           <p:nvCxnSpPr>
-            <p:cNvPr id="250" name="Straight Connector 249">
-              <a:extLst>
-                <a:ext uri="{FF2B5EF4-FFF2-40B4-BE49-F238E27FC236}">
-                  <a16:creationId xmlns:a16="http://schemas.microsoft.com/office/drawing/2014/main" id="{1B2C5387-42A2-4464-BF18-E70B0227B921}"/>
+            <p:cNvPr id="334" name="Straight Connector 333">
+              <a:extLst>
+                <a:ext uri="{FF2B5EF4-FFF2-40B4-BE49-F238E27FC236}">
+                  <a16:creationId xmlns:a16="http://schemas.microsoft.com/office/drawing/2014/main" id="{BB63F0D6-8747-4126-9359-B730EB21B79A}"/>
                 </a:ext>
                 <a:ext uri="{C183D7F6-B498-43B3-948B-1728B52AA6E4}">
                   <adec:decorative xmlns:adec="http://schemas.microsoft.com/office/drawing/2017/decorative" val="1"/>
@@ -24913,10 +23295,10 @@
         </p:cxnSp>
         <p:cxnSp>
           <p:nvCxnSpPr>
-            <p:cNvPr id="251" name="Straight Connector 250">
-              <a:extLst>
-                <a:ext uri="{FF2B5EF4-FFF2-40B4-BE49-F238E27FC236}">
-                  <a16:creationId xmlns:a16="http://schemas.microsoft.com/office/drawing/2014/main" id="{2926F39D-AFC8-4FF6-9211-84AA77717625}"/>
+            <p:cNvPr id="335" name="Straight Connector 334">
+              <a:extLst>
+                <a:ext uri="{FF2B5EF4-FFF2-40B4-BE49-F238E27FC236}">
+                  <a16:creationId xmlns:a16="http://schemas.microsoft.com/office/drawing/2014/main" id="{D91CD660-F5B2-49AC-9EFC-CE94B843B4DA}"/>
                 </a:ext>
                 <a:ext uri="{C183D7F6-B498-43B3-948B-1728B52AA6E4}">
                   <adec:decorative xmlns:adec="http://schemas.microsoft.com/office/drawing/2017/decorative" val="1"/>
@@ -24968,10 +23350,10 @@
         </p:cxnSp>
         <p:cxnSp>
           <p:nvCxnSpPr>
-            <p:cNvPr id="252" name="Straight Connector 251">
-              <a:extLst>
-                <a:ext uri="{FF2B5EF4-FFF2-40B4-BE49-F238E27FC236}">
-                  <a16:creationId xmlns:a16="http://schemas.microsoft.com/office/drawing/2014/main" id="{0D812696-9AF7-4D2B-A041-80C015F33AAB}"/>
+            <p:cNvPr id="336" name="Straight Connector 335">
+              <a:extLst>
+                <a:ext uri="{FF2B5EF4-FFF2-40B4-BE49-F238E27FC236}">
+                  <a16:creationId xmlns:a16="http://schemas.microsoft.com/office/drawing/2014/main" id="{A4BEB7EB-8E7F-4A4B-8581-73CE2003F2F7}"/>
                 </a:ext>
                 <a:ext uri="{C183D7F6-B498-43B3-948B-1728B52AA6E4}">
                   <adec:decorative xmlns:adec="http://schemas.microsoft.com/office/drawing/2017/decorative" val="1"/>
@@ -25023,10 +23405,10 @@
         </p:cxnSp>
         <p:cxnSp>
           <p:nvCxnSpPr>
-            <p:cNvPr id="253" name="Straight Connector 252">
-              <a:extLst>
-                <a:ext uri="{FF2B5EF4-FFF2-40B4-BE49-F238E27FC236}">
-                  <a16:creationId xmlns:a16="http://schemas.microsoft.com/office/drawing/2014/main" id="{CE6CB557-1E5B-4D2D-9330-8EB4AF7307C4}"/>
+            <p:cNvPr id="337" name="Straight Connector 336">
+              <a:extLst>
+                <a:ext uri="{FF2B5EF4-FFF2-40B4-BE49-F238E27FC236}">
+                  <a16:creationId xmlns:a16="http://schemas.microsoft.com/office/drawing/2014/main" id="{B04FB70E-6820-4456-872A-937F520606C5}"/>
                 </a:ext>
                 <a:ext uri="{C183D7F6-B498-43B3-948B-1728B52AA6E4}">
                   <adec:decorative xmlns:adec="http://schemas.microsoft.com/office/drawing/2017/decorative" val="1"/>
@@ -25078,10 +23460,10 @@
         </p:cxnSp>
         <p:cxnSp>
           <p:nvCxnSpPr>
-            <p:cNvPr id="254" name="Straight Connector 253">
-              <a:extLst>
-                <a:ext uri="{FF2B5EF4-FFF2-40B4-BE49-F238E27FC236}">
-                  <a16:creationId xmlns:a16="http://schemas.microsoft.com/office/drawing/2014/main" id="{A03A4B30-3A15-4294-9BED-E7317857F060}"/>
+            <p:cNvPr id="338" name="Straight Connector 337">
+              <a:extLst>
+                <a:ext uri="{FF2B5EF4-FFF2-40B4-BE49-F238E27FC236}">
+                  <a16:creationId xmlns:a16="http://schemas.microsoft.com/office/drawing/2014/main" id="{E3598DD6-9887-4CF7-BAFE-F96E0324EB9E}"/>
                 </a:ext>
                 <a:ext uri="{C183D7F6-B498-43B3-948B-1728B52AA6E4}">
                   <adec:decorative xmlns:adec="http://schemas.microsoft.com/office/drawing/2017/decorative" val="1"/>
@@ -25133,10 +23515,10 @@
         </p:cxnSp>
         <p:cxnSp>
           <p:nvCxnSpPr>
-            <p:cNvPr id="255" name="Straight Connector 254">
-              <a:extLst>
-                <a:ext uri="{FF2B5EF4-FFF2-40B4-BE49-F238E27FC236}">
-                  <a16:creationId xmlns:a16="http://schemas.microsoft.com/office/drawing/2014/main" id="{0E7B8343-CDF9-4023-9FBF-F4ADE601B2AC}"/>
+            <p:cNvPr id="339" name="Straight Connector 338">
+              <a:extLst>
+                <a:ext uri="{FF2B5EF4-FFF2-40B4-BE49-F238E27FC236}">
+                  <a16:creationId xmlns:a16="http://schemas.microsoft.com/office/drawing/2014/main" id="{AA503E64-565F-465B-A25C-042C5706C568}"/>
                 </a:ext>
                 <a:ext uri="{C183D7F6-B498-43B3-948B-1728B52AA6E4}">
                   <adec:decorative xmlns:adec="http://schemas.microsoft.com/office/drawing/2017/decorative" val="1"/>
@@ -25188,10 +23570,10 @@
         </p:cxnSp>
         <p:cxnSp>
           <p:nvCxnSpPr>
-            <p:cNvPr id="256" name="Straight Connector 255">
-              <a:extLst>
-                <a:ext uri="{FF2B5EF4-FFF2-40B4-BE49-F238E27FC236}">
-                  <a16:creationId xmlns:a16="http://schemas.microsoft.com/office/drawing/2014/main" id="{9BB30BD5-639D-4F53-BC6C-2A8D0FFFE52A}"/>
+            <p:cNvPr id="340" name="Straight Connector 339">
+              <a:extLst>
+                <a:ext uri="{FF2B5EF4-FFF2-40B4-BE49-F238E27FC236}">
+                  <a16:creationId xmlns:a16="http://schemas.microsoft.com/office/drawing/2014/main" id="{A140EE7B-5CA1-4DCB-8652-6E4D2147B0E7}"/>
                 </a:ext>
                 <a:ext uri="{C183D7F6-B498-43B3-948B-1728B52AA6E4}">
                   <adec:decorative xmlns:adec="http://schemas.microsoft.com/office/drawing/2017/decorative" val="1"/>
@@ -25243,10 +23625,10 @@
         </p:cxnSp>
         <p:cxnSp>
           <p:nvCxnSpPr>
-            <p:cNvPr id="257" name="Straight Connector 256">
-              <a:extLst>
-                <a:ext uri="{FF2B5EF4-FFF2-40B4-BE49-F238E27FC236}">
-                  <a16:creationId xmlns:a16="http://schemas.microsoft.com/office/drawing/2014/main" id="{8D7E1947-04B8-4F0B-9E3C-FC4E26D618F3}"/>
+            <p:cNvPr id="341" name="Straight Connector 340">
+              <a:extLst>
+                <a:ext uri="{FF2B5EF4-FFF2-40B4-BE49-F238E27FC236}">
+                  <a16:creationId xmlns:a16="http://schemas.microsoft.com/office/drawing/2014/main" id="{F85077BE-700D-4C44-AA4D-7CF4E8FD71A9}"/>
                 </a:ext>
                 <a:ext uri="{C183D7F6-B498-43B3-948B-1728B52AA6E4}">
                   <adec:decorative xmlns:adec="http://schemas.microsoft.com/office/drawing/2017/decorative" val="1"/>
@@ -25298,10 +23680,10 @@
         </p:cxnSp>
         <p:cxnSp>
           <p:nvCxnSpPr>
-            <p:cNvPr id="258" name="Straight Connector 257">
-              <a:extLst>
-                <a:ext uri="{FF2B5EF4-FFF2-40B4-BE49-F238E27FC236}">
-                  <a16:creationId xmlns:a16="http://schemas.microsoft.com/office/drawing/2014/main" id="{83EDB6D6-D309-48D4-87F4-AAED7C57C747}"/>
+            <p:cNvPr id="342" name="Straight Connector 341">
+              <a:extLst>
+                <a:ext uri="{FF2B5EF4-FFF2-40B4-BE49-F238E27FC236}">
+                  <a16:creationId xmlns:a16="http://schemas.microsoft.com/office/drawing/2014/main" id="{FB8B3FEB-D353-443D-A148-3915606516D5}"/>
                 </a:ext>
                 <a:ext uri="{C183D7F6-B498-43B3-948B-1728B52AA6E4}">
                   <adec:decorative xmlns:adec="http://schemas.microsoft.com/office/drawing/2017/decorative" val="1"/>
@@ -25353,10 +23735,10 @@
         </p:cxnSp>
         <p:cxnSp>
           <p:nvCxnSpPr>
-            <p:cNvPr id="259" name="Straight Connector 258">
-              <a:extLst>
-                <a:ext uri="{FF2B5EF4-FFF2-40B4-BE49-F238E27FC236}">
-                  <a16:creationId xmlns:a16="http://schemas.microsoft.com/office/drawing/2014/main" id="{0F2E163F-B043-43B7-85CE-36F2136BAB3D}"/>
+            <p:cNvPr id="343" name="Straight Connector 342">
+              <a:extLst>
+                <a:ext uri="{FF2B5EF4-FFF2-40B4-BE49-F238E27FC236}">
+                  <a16:creationId xmlns:a16="http://schemas.microsoft.com/office/drawing/2014/main" id="{91FF5FBB-3BD8-46EB-BDF9-081B29A444BD}"/>
                 </a:ext>
                 <a:ext uri="{C183D7F6-B498-43B3-948B-1728B52AA6E4}">
                   <adec:decorative xmlns:adec="http://schemas.microsoft.com/office/drawing/2017/decorative" val="1"/>
@@ -25408,10 +23790,10 @@
         </p:cxnSp>
         <p:cxnSp>
           <p:nvCxnSpPr>
-            <p:cNvPr id="260" name="Straight Connector 259">
-              <a:extLst>
-                <a:ext uri="{FF2B5EF4-FFF2-40B4-BE49-F238E27FC236}">
-                  <a16:creationId xmlns:a16="http://schemas.microsoft.com/office/drawing/2014/main" id="{1F6CB03C-E3B1-4D22-ABA3-986CC09FB303}"/>
+            <p:cNvPr id="344" name="Straight Connector 343">
+              <a:extLst>
+                <a:ext uri="{FF2B5EF4-FFF2-40B4-BE49-F238E27FC236}">
+                  <a16:creationId xmlns:a16="http://schemas.microsoft.com/office/drawing/2014/main" id="{DC2E11FD-78A4-4F5C-A419-F0237DCAD274}"/>
                 </a:ext>
                 <a:ext uri="{C183D7F6-B498-43B3-948B-1728B52AA6E4}">
                   <adec:decorative xmlns:adec="http://schemas.microsoft.com/office/drawing/2017/decorative" val="1"/>
@@ -25463,10 +23845,10 @@
         </p:cxnSp>
         <p:cxnSp>
           <p:nvCxnSpPr>
-            <p:cNvPr id="261" name="Straight Connector 260">
-              <a:extLst>
-                <a:ext uri="{FF2B5EF4-FFF2-40B4-BE49-F238E27FC236}">
-                  <a16:creationId xmlns:a16="http://schemas.microsoft.com/office/drawing/2014/main" id="{39B41E31-EE5F-423F-8B88-3B56009A3490}"/>
+            <p:cNvPr id="345" name="Straight Connector 344">
+              <a:extLst>
+                <a:ext uri="{FF2B5EF4-FFF2-40B4-BE49-F238E27FC236}">
+                  <a16:creationId xmlns:a16="http://schemas.microsoft.com/office/drawing/2014/main" id="{9F708EBE-3154-4FF4-8E8F-88A076208068}"/>
                 </a:ext>
                 <a:ext uri="{C183D7F6-B498-43B3-948B-1728B52AA6E4}">
                   <adec:decorative xmlns:adec="http://schemas.microsoft.com/office/drawing/2017/decorative" val="1"/>
@@ -25518,10 +23900,10 @@
         </p:cxnSp>
         <p:cxnSp>
           <p:nvCxnSpPr>
-            <p:cNvPr id="262" name="Straight Connector 261">
-              <a:extLst>
-                <a:ext uri="{FF2B5EF4-FFF2-40B4-BE49-F238E27FC236}">
-                  <a16:creationId xmlns:a16="http://schemas.microsoft.com/office/drawing/2014/main" id="{B59D4FE6-B271-4427-8273-0B80EF13668E}"/>
+            <p:cNvPr id="346" name="Straight Connector 345">
+              <a:extLst>
+                <a:ext uri="{FF2B5EF4-FFF2-40B4-BE49-F238E27FC236}">
+                  <a16:creationId xmlns:a16="http://schemas.microsoft.com/office/drawing/2014/main" id="{27A99B5C-EB03-4D56-8DFE-B006D7081B61}"/>
                 </a:ext>
                 <a:ext uri="{C183D7F6-B498-43B3-948B-1728B52AA6E4}">
                   <adec:decorative xmlns:adec="http://schemas.microsoft.com/office/drawing/2017/decorative" val="1"/>
@@ -25573,10 +23955,10 @@
         </p:cxnSp>
         <p:cxnSp>
           <p:nvCxnSpPr>
-            <p:cNvPr id="263" name="Straight Connector 262">
-              <a:extLst>
-                <a:ext uri="{FF2B5EF4-FFF2-40B4-BE49-F238E27FC236}">
-                  <a16:creationId xmlns:a16="http://schemas.microsoft.com/office/drawing/2014/main" id="{6F7D26D0-83A1-41B0-82E3-FB5D3E93EE79}"/>
+            <p:cNvPr id="347" name="Straight Connector 346">
+              <a:extLst>
+                <a:ext uri="{FF2B5EF4-FFF2-40B4-BE49-F238E27FC236}">
+                  <a16:creationId xmlns:a16="http://schemas.microsoft.com/office/drawing/2014/main" id="{2FCBAFF0-9FB4-4160-B9BE-CCBE1D8B8CBD}"/>
                 </a:ext>
                 <a:ext uri="{C183D7F6-B498-43B3-948B-1728B52AA6E4}">
                   <adec:decorative xmlns:adec="http://schemas.microsoft.com/office/drawing/2017/decorative" val="1"/>
@@ -25628,10 +24010,10 @@
         </p:cxnSp>
         <p:cxnSp>
           <p:nvCxnSpPr>
-            <p:cNvPr id="264" name="Straight Connector 263">
-              <a:extLst>
-                <a:ext uri="{FF2B5EF4-FFF2-40B4-BE49-F238E27FC236}">
-                  <a16:creationId xmlns:a16="http://schemas.microsoft.com/office/drawing/2014/main" id="{07E47C02-EBB8-4368-815C-FEDA23368DD9}"/>
+            <p:cNvPr id="348" name="Straight Connector 347">
+              <a:extLst>
+                <a:ext uri="{FF2B5EF4-FFF2-40B4-BE49-F238E27FC236}">
+                  <a16:creationId xmlns:a16="http://schemas.microsoft.com/office/drawing/2014/main" id="{326953D7-154A-49A4-B2E1-D94D365EC461}"/>
                 </a:ext>
                 <a:ext uri="{C183D7F6-B498-43B3-948B-1728B52AA6E4}">
                   <adec:decorative xmlns:adec="http://schemas.microsoft.com/office/drawing/2017/decorative" val="1"/>
@@ -25683,10 +24065,10 @@
         </p:cxnSp>
         <p:cxnSp>
           <p:nvCxnSpPr>
-            <p:cNvPr id="265" name="Straight Connector 264">
-              <a:extLst>
-                <a:ext uri="{FF2B5EF4-FFF2-40B4-BE49-F238E27FC236}">
-                  <a16:creationId xmlns:a16="http://schemas.microsoft.com/office/drawing/2014/main" id="{8E61DA55-8618-4048-A65A-41E072D9FF9D}"/>
+            <p:cNvPr id="349" name="Straight Connector 348">
+              <a:extLst>
+                <a:ext uri="{FF2B5EF4-FFF2-40B4-BE49-F238E27FC236}">
+                  <a16:creationId xmlns:a16="http://schemas.microsoft.com/office/drawing/2014/main" id="{836E3E12-5D96-48DB-8320-6294287740AC}"/>
                 </a:ext>
                 <a:ext uri="{C183D7F6-B498-43B3-948B-1728B52AA6E4}">
                   <adec:decorative xmlns:adec="http://schemas.microsoft.com/office/drawing/2017/decorative" val="1"/>
@@ -25738,10 +24120,10 @@
         </p:cxnSp>
         <p:cxnSp>
           <p:nvCxnSpPr>
-            <p:cNvPr id="266" name="Straight Connector 265">
-              <a:extLst>
-                <a:ext uri="{FF2B5EF4-FFF2-40B4-BE49-F238E27FC236}">
-                  <a16:creationId xmlns:a16="http://schemas.microsoft.com/office/drawing/2014/main" id="{4DFC058B-6608-4509-92E1-D4D0D5BD57AC}"/>
+            <p:cNvPr id="350" name="Straight Connector 349">
+              <a:extLst>
+                <a:ext uri="{FF2B5EF4-FFF2-40B4-BE49-F238E27FC236}">
+                  <a16:creationId xmlns:a16="http://schemas.microsoft.com/office/drawing/2014/main" id="{7A059482-79BA-4E80-80A2-36FD8408DA34}"/>
                 </a:ext>
                 <a:ext uri="{C183D7F6-B498-43B3-948B-1728B52AA6E4}">
                   <adec:decorative xmlns:adec="http://schemas.microsoft.com/office/drawing/2017/decorative" val="1"/>
@@ -25793,10 +24175,10 @@
         </p:cxnSp>
         <p:cxnSp>
           <p:nvCxnSpPr>
-            <p:cNvPr id="267" name="Straight Connector 266">
-              <a:extLst>
-                <a:ext uri="{FF2B5EF4-FFF2-40B4-BE49-F238E27FC236}">
-                  <a16:creationId xmlns:a16="http://schemas.microsoft.com/office/drawing/2014/main" id="{9E3652A3-36D6-4E0C-B7FB-52CD69E9CF9B}"/>
+            <p:cNvPr id="351" name="Straight Connector 350">
+              <a:extLst>
+                <a:ext uri="{FF2B5EF4-FFF2-40B4-BE49-F238E27FC236}">
+                  <a16:creationId xmlns:a16="http://schemas.microsoft.com/office/drawing/2014/main" id="{B4EF88B3-C210-433D-B20D-FE41B4D5F936}"/>
                 </a:ext>
                 <a:ext uri="{C183D7F6-B498-43B3-948B-1728B52AA6E4}">
                   <adec:decorative xmlns:adec="http://schemas.microsoft.com/office/drawing/2017/decorative" val="1"/>
@@ -25848,10 +24230,10 @@
         </p:cxnSp>
         <p:cxnSp>
           <p:nvCxnSpPr>
-            <p:cNvPr id="268" name="Straight Connector 267">
-              <a:extLst>
-                <a:ext uri="{FF2B5EF4-FFF2-40B4-BE49-F238E27FC236}">
-                  <a16:creationId xmlns:a16="http://schemas.microsoft.com/office/drawing/2014/main" id="{8BF82BE6-B2D5-4FA1-98B4-1E0072C391EC}"/>
+            <p:cNvPr id="352" name="Straight Connector 351">
+              <a:extLst>
+                <a:ext uri="{FF2B5EF4-FFF2-40B4-BE49-F238E27FC236}">
+                  <a16:creationId xmlns:a16="http://schemas.microsoft.com/office/drawing/2014/main" id="{53665D3E-61E7-4EDF-A208-56449D765C62}"/>
                 </a:ext>
                 <a:ext uri="{C183D7F6-B498-43B3-948B-1728B52AA6E4}">
                   <adec:decorative xmlns:adec="http://schemas.microsoft.com/office/drawing/2017/decorative" val="1"/>
@@ -25903,10 +24285,10 @@
         </p:cxnSp>
         <p:cxnSp>
           <p:nvCxnSpPr>
-            <p:cNvPr id="269" name="Straight Connector 268">
-              <a:extLst>
-                <a:ext uri="{FF2B5EF4-FFF2-40B4-BE49-F238E27FC236}">
-                  <a16:creationId xmlns:a16="http://schemas.microsoft.com/office/drawing/2014/main" id="{AECA553C-C7B8-4353-BC4C-D622087D6F15}"/>
+            <p:cNvPr id="353" name="Straight Connector 352">
+              <a:extLst>
+                <a:ext uri="{FF2B5EF4-FFF2-40B4-BE49-F238E27FC236}">
+                  <a16:creationId xmlns:a16="http://schemas.microsoft.com/office/drawing/2014/main" id="{874CF3B0-C9C3-4683-94A3-DC0AE1E74512}"/>
                 </a:ext>
                 <a:ext uri="{C183D7F6-B498-43B3-948B-1728B52AA6E4}">
                   <adec:decorative xmlns:adec="http://schemas.microsoft.com/office/drawing/2017/decorative" val="1"/>
@@ -25958,10 +24340,10 @@
         </p:cxnSp>
         <p:cxnSp>
           <p:nvCxnSpPr>
-            <p:cNvPr id="270" name="Straight Connector 269">
-              <a:extLst>
-                <a:ext uri="{FF2B5EF4-FFF2-40B4-BE49-F238E27FC236}">
-                  <a16:creationId xmlns:a16="http://schemas.microsoft.com/office/drawing/2014/main" id="{1F802227-5CA9-40B4-870E-495C7899C755}"/>
+            <p:cNvPr id="354" name="Straight Connector 353">
+              <a:extLst>
+                <a:ext uri="{FF2B5EF4-FFF2-40B4-BE49-F238E27FC236}">
+                  <a16:creationId xmlns:a16="http://schemas.microsoft.com/office/drawing/2014/main" id="{7BE90EF9-6DF5-47F4-A069-9F613C81422A}"/>
                 </a:ext>
                 <a:ext uri="{C183D7F6-B498-43B3-948B-1728B52AA6E4}">
                   <adec:decorative xmlns:adec="http://schemas.microsoft.com/office/drawing/2017/decorative" val="1"/>
@@ -26013,10 +24395,10 @@
         </p:cxnSp>
         <p:cxnSp>
           <p:nvCxnSpPr>
-            <p:cNvPr id="271" name="Straight Connector 270">
-              <a:extLst>
-                <a:ext uri="{FF2B5EF4-FFF2-40B4-BE49-F238E27FC236}">
-                  <a16:creationId xmlns:a16="http://schemas.microsoft.com/office/drawing/2014/main" id="{11A19F9E-BB49-4808-8481-77F848C2F4FC}"/>
+            <p:cNvPr id="355" name="Straight Connector 354">
+              <a:extLst>
+                <a:ext uri="{FF2B5EF4-FFF2-40B4-BE49-F238E27FC236}">
+                  <a16:creationId xmlns:a16="http://schemas.microsoft.com/office/drawing/2014/main" id="{F844EBDE-5A9F-4E9F-8A55-57FB9E979798}"/>
                 </a:ext>
                 <a:ext uri="{C183D7F6-B498-43B3-948B-1728B52AA6E4}">
                   <adec:decorative xmlns:adec="http://schemas.microsoft.com/office/drawing/2017/decorative" val="1"/>
@@ -26068,10 +24450,10 @@
         </p:cxnSp>
         <p:cxnSp>
           <p:nvCxnSpPr>
-            <p:cNvPr id="272" name="Straight Connector 271">
-              <a:extLst>
-                <a:ext uri="{FF2B5EF4-FFF2-40B4-BE49-F238E27FC236}">
-                  <a16:creationId xmlns:a16="http://schemas.microsoft.com/office/drawing/2014/main" id="{C53A57BE-F139-4C31-8201-477E20DD2A94}"/>
+            <p:cNvPr id="356" name="Straight Connector 355">
+              <a:extLst>
+                <a:ext uri="{FF2B5EF4-FFF2-40B4-BE49-F238E27FC236}">
+                  <a16:creationId xmlns:a16="http://schemas.microsoft.com/office/drawing/2014/main" id="{6491FC45-82C4-40CD-8D0C-0A2F86E8A1EE}"/>
                 </a:ext>
                 <a:ext uri="{C183D7F6-B498-43B3-948B-1728B52AA6E4}">
                   <adec:decorative xmlns:adec="http://schemas.microsoft.com/office/drawing/2017/decorative" val="1"/>
@@ -26123,10 +24505,10 @@
         </p:cxnSp>
         <p:cxnSp>
           <p:nvCxnSpPr>
-            <p:cNvPr id="273" name="Straight Connector 272">
-              <a:extLst>
-                <a:ext uri="{FF2B5EF4-FFF2-40B4-BE49-F238E27FC236}">
-                  <a16:creationId xmlns:a16="http://schemas.microsoft.com/office/drawing/2014/main" id="{99F800EC-2D85-47C7-BFB8-B146DD929C82}"/>
+            <p:cNvPr id="357" name="Straight Connector 356">
+              <a:extLst>
+                <a:ext uri="{FF2B5EF4-FFF2-40B4-BE49-F238E27FC236}">
+                  <a16:creationId xmlns:a16="http://schemas.microsoft.com/office/drawing/2014/main" id="{71AD0FE3-6144-4171-943E-0E65D08E806C}"/>
                 </a:ext>
                 <a:ext uri="{C183D7F6-B498-43B3-948B-1728B52AA6E4}">
                   <adec:decorative xmlns:adec="http://schemas.microsoft.com/office/drawing/2017/decorative" val="1"/>
@@ -26178,10 +24560,10 @@
         </p:cxnSp>
         <p:cxnSp>
           <p:nvCxnSpPr>
-            <p:cNvPr id="274" name="Straight Connector 273">
-              <a:extLst>
-                <a:ext uri="{FF2B5EF4-FFF2-40B4-BE49-F238E27FC236}">
-                  <a16:creationId xmlns:a16="http://schemas.microsoft.com/office/drawing/2014/main" id="{4478BA6D-3F48-40B1-8227-830029B6286A}"/>
+            <p:cNvPr id="358" name="Straight Connector 357">
+              <a:extLst>
+                <a:ext uri="{FF2B5EF4-FFF2-40B4-BE49-F238E27FC236}">
+                  <a16:creationId xmlns:a16="http://schemas.microsoft.com/office/drawing/2014/main" id="{A7BA4499-5E6A-4998-A0F4-614E65552B8C}"/>
                 </a:ext>
                 <a:ext uri="{C183D7F6-B498-43B3-948B-1728B52AA6E4}">
                   <adec:decorative xmlns:adec="http://schemas.microsoft.com/office/drawing/2017/decorative" val="1"/>
@@ -26233,10 +24615,10 @@
         </p:cxnSp>
         <p:cxnSp>
           <p:nvCxnSpPr>
-            <p:cNvPr id="275" name="Straight Connector 274">
-              <a:extLst>
-                <a:ext uri="{FF2B5EF4-FFF2-40B4-BE49-F238E27FC236}">
-                  <a16:creationId xmlns:a16="http://schemas.microsoft.com/office/drawing/2014/main" id="{421E6C45-0A76-456E-BDD6-3DCB6612622A}"/>
+            <p:cNvPr id="359" name="Straight Connector 358">
+              <a:extLst>
+                <a:ext uri="{FF2B5EF4-FFF2-40B4-BE49-F238E27FC236}">
+                  <a16:creationId xmlns:a16="http://schemas.microsoft.com/office/drawing/2014/main" id="{CAFE7A6F-A7F0-4406-809F-E23FCB201E3B}"/>
                 </a:ext>
                 <a:ext uri="{C183D7F6-B498-43B3-948B-1728B52AA6E4}">
                   <adec:decorative xmlns:adec="http://schemas.microsoft.com/office/drawing/2017/decorative" val="1"/>
@@ -26289,10 +24671,109 @@
       </p:grpSp>
       <p:sp>
         <p:nvSpPr>
-          <p:cNvPr id="277" name="Right Triangle 276">
+          <p:cNvPr id="2" name="Titel 1">
             <a:extLst>
               <a:ext uri="{FF2B5EF4-FFF2-40B4-BE49-F238E27FC236}">
-                <a16:creationId xmlns:a16="http://schemas.microsoft.com/office/drawing/2014/main" id="{3C541D4F-11C2-4F36-B2A3-AB9028F2A078}"/>
+                <a16:creationId xmlns:a16="http://schemas.microsoft.com/office/drawing/2014/main" id="{BBAD749B-38B8-641F-97D9-A19B49F50378}"/>
+              </a:ext>
+            </a:extLst>
+          </p:cNvPr>
+          <p:cNvSpPr>
+            <a:spLocks noGrp="1"/>
+          </p:cNvSpPr>
+          <p:nvPr>
+            <p:ph type="title"/>
+          </p:nvPr>
+        </p:nvSpPr>
+        <p:spPr>
+          <a:xfrm>
+            <a:off x="6088653" y="725951"/>
+            <a:ext cx="4927425" cy="1938525"/>
+          </a:xfrm>
+        </p:spPr>
+        <p:txBody>
+          <a:bodyPr vert="horz" lIns="91440" tIns="45720" rIns="91440" bIns="45720" rtlCol="0">
+            <a:normAutofit/>
+          </a:bodyPr>
+          <a:lstStyle/>
+          <a:p>
+            <a:r>
+              <a:rPr lang="en-US"/>
+              <a:t>Usecase Diagram</a:t>
+            </a:r>
+          </a:p>
+        </p:txBody>
+      </p:sp>
+      <p:pic>
+        <p:nvPicPr>
+          <p:cNvPr id="9" name="Afbeelding 8" descr="Afbeelding met diagram, tekening, lijn, schermopname&#10;&#10;Automatisch gegenereerde beschrijving">
+            <a:extLst>
+              <a:ext uri="{FF2B5EF4-FFF2-40B4-BE49-F238E27FC236}">
+                <a16:creationId xmlns:a16="http://schemas.microsoft.com/office/drawing/2014/main" id="{F79BE775-C0FE-B015-5353-9977345E1E43}"/>
+              </a:ext>
+            </a:extLst>
+          </p:cNvPr>
+          <p:cNvPicPr>
+            <a:picLocks noChangeAspect="1"/>
+          </p:cNvPicPr>
+          <p:nvPr/>
+        </p:nvPicPr>
+        <p:blipFill rotWithShape="1">
+          <a:blip r:embed="rId2">
+            <a:extLst>
+              <a:ext uri="{28A0092B-C50C-407E-A947-70E740481C1C}">
+                <a14:useLocalDpi xmlns:a14="http://schemas.microsoft.com/office/drawing/2010/main" val="0"/>
+              </a:ext>
+            </a:extLst>
+          </a:blip>
+          <a:srcRect l="16139" r="31997" b="-1"/>
+          <a:stretch/>
+        </p:blipFill>
+        <p:spPr>
+          <a:xfrm>
+            <a:off x="1" y="10"/>
+            <a:ext cx="5854890" cy="6857990"/>
+          </a:xfrm>
+          <a:custGeom>
+            <a:avLst/>
+            <a:gdLst/>
+            <a:ahLst/>
+            <a:cxnLst/>
+            <a:rect l="l" t="t" r="r" b="b"/>
+            <a:pathLst>
+              <a:path w="6036633" h="6858000">
+                <a:moveTo>
+                  <a:pt x="0" y="0"/>
+                </a:moveTo>
+                <a:lnTo>
+                  <a:pt x="5782584" y="0"/>
+                </a:lnTo>
+                <a:lnTo>
+                  <a:pt x="5847735" y="280891"/>
+                </a:lnTo>
+                <a:cubicBezTo>
+                  <a:pt x="6512611" y="3337011"/>
+                  <a:pt x="5215360" y="3533975"/>
+                  <a:pt x="5130974" y="6590095"/>
+                </a:cubicBezTo>
+                <a:lnTo>
+                  <a:pt x="5127340" y="6858000"/>
+                </a:lnTo>
+                <a:lnTo>
+                  <a:pt x="0" y="6858000"/>
+                </a:lnTo>
+                <a:close/>
+              </a:path>
+            </a:pathLst>
+          </a:custGeom>
+        </p:spPr>
+      </p:pic>
+      <p:sp>
+        <p:nvSpPr>
+          <p:cNvPr id="361" name="Right Triangle 360">
+            <a:extLst>
+              <a:ext uri="{FF2B5EF4-FFF2-40B4-BE49-F238E27FC236}">
+                <a16:creationId xmlns:a16="http://schemas.microsoft.com/office/drawing/2014/main" id="{BEAC0A80-07D3-49CB-87C3-BC34F219DFF7}"/>
               </a:ext>
               <a:ext uri="{C183D7F6-B498-43B3-948B-1728B52AA6E4}">
                 <adec:decorative xmlns:adec="http://schemas.microsoft.com/office/drawing/2017/decorative" val="1"/>
@@ -26311,8 +24792,8 @@
           </p:nvPr>
         </p:nvSpPr>
         <p:spPr>
-          <a:xfrm rot="13500000">
-            <a:off x="-281093" y="2059094"/>
+          <a:xfrm rot="18900000">
+            <a:off x="6297339" y="-292624"/>
             <a:ext cx="568289" cy="568289"/>
           </a:xfrm>
           <a:prstGeom prst="rtTriangle">
@@ -26358,41 +24839,6 @@
       </p:sp>
       <p:sp>
         <p:nvSpPr>
-          <p:cNvPr id="2" name="Titel 1">
-            <a:extLst>
-              <a:ext uri="{FF2B5EF4-FFF2-40B4-BE49-F238E27FC236}">
-                <a16:creationId xmlns:a16="http://schemas.microsoft.com/office/drawing/2014/main" id="{BBAD749B-38B8-641F-97D9-A19B49F50378}"/>
-              </a:ext>
-            </a:extLst>
-          </p:cNvPr>
-          <p:cNvSpPr>
-            <a:spLocks noGrp="1"/>
-          </p:cNvSpPr>
-          <p:nvPr>
-            <p:ph type="title"/>
-          </p:nvPr>
-        </p:nvSpPr>
-        <p:spPr>
-          <a:xfrm>
-            <a:off x="691079" y="725952"/>
-            <a:ext cx="4038652" cy="1881178"/>
-          </a:xfrm>
-        </p:spPr>
-        <p:txBody>
-          <a:bodyPr vert="horz" lIns="91440" tIns="45720" rIns="91440" bIns="45720" rtlCol="0" anchor="b">
-            <a:normAutofit/>
-          </a:bodyPr>
-          <a:lstStyle/>
-          <a:p>
-            <a:r>
-              <a:rPr lang="en-US"/>
-              <a:t>Usecase Diagram</a:t>
-            </a:r>
-          </a:p>
-        </p:txBody>
-      </p:sp>
-      <p:sp>
-        <p:nvSpPr>
           <p:cNvPr id="4" name="Tijdelijke aanduiding voor inhoud 3">
             <a:extLst>
               <a:ext uri="{FF2B5EF4-FFF2-40B4-BE49-F238E27FC236}">
@@ -26409,8 +24855,8 @@
         </p:nvSpPr>
         <p:spPr>
           <a:xfrm>
-            <a:off x="691079" y="2886117"/>
-            <a:ext cx="4038652" cy="3276824"/>
+            <a:off x="6088653" y="2886116"/>
+            <a:ext cx="4927425" cy="3245931"/>
           </a:xfrm>
         </p:spPr>
         <p:txBody>
@@ -26442,36 +24888,6 @@
           </a:p>
         </p:txBody>
       </p:sp>
-      <p:pic>
-        <p:nvPicPr>
-          <p:cNvPr id="6" name="Substituent conținut 3" descr="O imagine care conține text, captură de ecran, diagramă, scris de mână&#10;&#10;Descriere generată automat">
-            <a:extLst>
-              <a:ext uri="{FF2B5EF4-FFF2-40B4-BE49-F238E27FC236}">
-                <a16:creationId xmlns:a16="http://schemas.microsoft.com/office/drawing/2014/main" id="{796EC1AC-81C7-6617-EE47-2AA33B725908}"/>
-              </a:ext>
-            </a:extLst>
-          </p:cNvPr>
-          <p:cNvPicPr>
-            <a:picLocks noChangeAspect="1"/>
-          </p:cNvPicPr>
-          <p:nvPr/>
-        </p:nvPicPr>
-        <p:blipFill>
-          <a:blip r:embed="rId2"/>
-          <a:stretch>
-            <a:fillRect/>
-          </a:stretch>
-        </p:blipFill>
-        <p:spPr>
-          <a:xfrm>
-            <a:off x="5112919" y="729344"/>
-            <a:ext cx="6388271" cy="5414060"/>
-          </a:xfrm>
-          <a:prstGeom prst="rect">
-            <a:avLst/>
-          </a:prstGeom>
-        </p:spPr>
-      </p:pic>
     </p:spTree>
     <p:extLst>
       <p:ext uri="{BB962C8B-B14F-4D97-AF65-F5344CB8AC3E}">
